--- a/AOS_reading2.pptx
+++ b/AOS_reading2.pptx
@@ -5,7 +5,7 @@
     <p:sldMasterId id="2147483648" r:id="rId1"/>
   </p:sldMasterIdLst>
   <p:notesMasterIdLst>
-    <p:notesMasterId r:id="rId33"/>
+    <p:notesMasterId r:id="rId32"/>
   </p:notesMasterIdLst>
   <p:sldIdLst>
     <p:sldId id="256" r:id="rId2"/>
@@ -21,24 +21,23 @@
     <p:sldId id="266" r:id="rId12"/>
     <p:sldId id="267" r:id="rId13"/>
     <p:sldId id="268" r:id="rId14"/>
-    <p:sldId id="269" r:id="rId15"/>
-    <p:sldId id="270" r:id="rId16"/>
-    <p:sldId id="271" r:id="rId17"/>
-    <p:sldId id="272" r:id="rId18"/>
-    <p:sldId id="273" r:id="rId19"/>
-    <p:sldId id="274" r:id="rId20"/>
-    <p:sldId id="275" r:id="rId21"/>
-    <p:sldId id="276" r:id="rId22"/>
-    <p:sldId id="277" r:id="rId23"/>
-    <p:sldId id="278" r:id="rId24"/>
-    <p:sldId id="279" r:id="rId25"/>
-    <p:sldId id="283" r:id="rId26"/>
-    <p:sldId id="280" r:id="rId27"/>
-    <p:sldId id="281" r:id="rId28"/>
-    <p:sldId id="282" r:id="rId29"/>
-    <p:sldId id="284" r:id="rId30"/>
-    <p:sldId id="285" r:id="rId31"/>
-    <p:sldId id="286" r:id="rId32"/>
+    <p:sldId id="270" r:id="rId15"/>
+    <p:sldId id="271" r:id="rId16"/>
+    <p:sldId id="272" r:id="rId17"/>
+    <p:sldId id="273" r:id="rId18"/>
+    <p:sldId id="274" r:id="rId19"/>
+    <p:sldId id="275" r:id="rId20"/>
+    <p:sldId id="276" r:id="rId21"/>
+    <p:sldId id="277" r:id="rId22"/>
+    <p:sldId id="278" r:id="rId23"/>
+    <p:sldId id="279" r:id="rId24"/>
+    <p:sldId id="283" r:id="rId25"/>
+    <p:sldId id="280" r:id="rId26"/>
+    <p:sldId id="281" r:id="rId27"/>
+    <p:sldId id="282" r:id="rId28"/>
+    <p:sldId id="284" r:id="rId29"/>
+    <p:sldId id="285" r:id="rId30"/>
+    <p:sldId id="286" r:id="rId31"/>
   </p:sldIdLst>
   <p:sldSz cx="12192000" cy="6858000"/>
   <p:notesSz cx="6858000" cy="9144000"/>
@@ -137,6 +136,11 @@
       </a:defRPr>
     </a:lvl9pPr>
   </p:defaultTextStyle>
+  <p:extLst>
+    <p:ext uri="{EFAFB233-063F-42B5-8137-9DF3F51BA10A}">
+      <p15:sldGuideLst xmlns:p15="http://schemas.microsoft.com/office/powerpoint/2012/main"/>
+    </p:ext>
+  </p:extLst>
 </p:presentation>
 </file>
 
@@ -222,7 +226,7 @@
           <a:p>
             <a:fld id="{B4E595A7-810B-4355-9B24-C39074DF2687}" type="datetimeFigureOut">
               <a:rPr lang="zh-CN" altLang="en-US" smtClean="0"/>
-              <a:t>2019/6/10</a:t>
+              <a:t>2019/6/23</a:t>
             </a:fld>
             <a:endParaRPr lang="zh-CN" altLang="en-US"/>
           </a:p>
@@ -630,7 +634,31 @@
           <a:bodyPr/>
           <a:lstStyle/>
           <a:p>
-            <a:endParaRPr lang="zh-CN" altLang="en-US" dirty="0"/>
+            <a:r>
+              <a:rPr lang="en-US" altLang="zh-CN" sz="1200" b="0" i="0" kern="1200" dirty="0" smtClean="0">
+                <a:solidFill>
+                  <a:schemeClr val="tx1"/>
+                </a:solidFill>
+                <a:effectLst/>
+                <a:latin typeface="+mn-lt"/>
+                <a:ea typeface="+mn-ea"/>
+                <a:cs typeface="+mn-cs"/>
+              </a:rPr>
+              <a:t>POSIX</a:t>
+            </a:r>
+            <a:r>
+              <a:rPr lang="zh-CN" altLang="en-US" sz="1200" b="0" i="0" kern="1200" dirty="0" smtClean="0">
+                <a:solidFill>
+                  <a:schemeClr val="tx1"/>
+                </a:solidFill>
+                <a:effectLst/>
+                <a:latin typeface="+mn-lt"/>
+                <a:ea typeface="+mn-ea"/>
+                <a:cs typeface="+mn-cs"/>
+              </a:rPr>
+              <a:t>计算机环境可移植操作系统接口</a:t>
+            </a:r>
+            <a:endParaRPr lang="zh-CN" altLang="en-US" b="0" dirty="0"/>
           </a:p>
         </p:txBody>
       </p:sp>
@@ -651,7 +679,7 @@
           <a:p>
             <a:fld id="{C432B939-5028-43FF-946C-4FAEFABB0219}" type="slidenum">
               <a:rPr lang="zh-CN" altLang="en-US" smtClean="0"/>
-              <a:t>26</a:t>
+              <a:t>19</a:t>
             </a:fld>
             <a:endParaRPr lang="zh-CN" altLang="en-US"/>
           </a:p>
@@ -660,7 +688,7 @@
     </p:spTree>
     <p:extLst>
       <p:ext uri="{BB962C8B-B14F-4D97-AF65-F5344CB8AC3E}">
-        <p14:creationId xmlns:p14="http://schemas.microsoft.com/office/powerpoint/2010/main" val="2104856863"/>
+        <p14:creationId xmlns:p14="http://schemas.microsoft.com/office/powerpoint/2010/main" val="3094816611"/>
       </p:ext>
     </p:extLst>
   </p:cSld>
@@ -715,98 +743,52 @@
           <a:lstStyle/>
           <a:p>
             <a:r>
-              <a:rPr lang="el-GR" altLang="zh-CN" sz="1200" dirty="0" smtClean="0"/>
-              <a:t>σ</a:t>
-            </a:r>
-            <a:r>
-              <a:rPr lang="zh-CN" altLang="en-US" sz="1200" dirty="0" smtClean="0"/>
-              <a:t>二元组是文件系统当前的状态，</a:t>
+              <a:rPr lang="zh-CN" altLang="en-US" dirty="0" smtClean="0"/>
+              <a:t>采用它来记录</a:t>
+            </a:r>
+            <a:r>
+              <a:rPr lang="en-US" altLang="zh-CN" dirty="0" smtClean="0"/>
+              <a:t>fs</a:t>
+            </a:r>
+            <a:r>
+              <a:rPr lang="zh-CN" altLang="en-US" dirty="0" smtClean="0"/>
+              <a:t>的崩溃行为</a:t>
+            </a:r>
+            <a:endParaRPr lang="en-US" altLang="zh-CN" dirty="0" smtClean="0"/>
+          </a:p>
+          <a:p>
+            <a:endParaRPr lang="en-US" altLang="zh-CN" dirty="0" smtClean="0"/>
+          </a:p>
+          <a:p>
+            <a:r>
+              <a:rPr lang="en-US" altLang="zh-CN" sz="1200" i="1" dirty="0" smtClean="0"/>
+              <a:t>content </a:t>
             </a:r>
             <a:r>
               <a:rPr lang="en-US" altLang="zh-CN" sz="1200" dirty="0" smtClean="0"/>
-              <a:t>p</a:t>
-            </a:r>
-            <a:r>
-              <a:rPr lang="zh-CN" altLang="en-US" sz="1200" dirty="0" smtClean="0"/>
-              <a:t>是程序计数器，就是</a:t>
+              <a:t>returns the file content.</a:t>
+            </a:r>
+          </a:p>
+          <a:p>
+            <a:r>
+              <a:rPr lang="en-US" altLang="zh-CN" sz="1200" i="1" dirty="0" smtClean="0"/>
+              <a:t>marked</a:t>
             </a:r>
             <a:r>
               <a:rPr lang="en-US" altLang="zh-CN" sz="1200" dirty="0" smtClean="0"/>
-              <a:t>pc</a:t>
-            </a:r>
-            <a:r>
-              <a:rPr lang="zh-CN" altLang="en-US" sz="1200" dirty="0" smtClean="0"/>
-              <a:t>，</a:t>
-            </a:r>
-            <a:endParaRPr lang="en-US" altLang="zh-CN" sz="1200" dirty="0" smtClean="0"/>
-          </a:p>
-          <a:p>
-            <a:r>
-              <a:rPr lang="en-US" altLang="zh-CN" sz="1200" b="1" i="1" dirty="0" smtClean="0"/>
-              <a:t>APPLY</a:t>
-            </a:r>
-            <a:r>
-              <a:rPr lang="zh-CN" altLang="en-US" sz="1200" dirty="0" smtClean="0"/>
-              <a:t>：</a:t>
+              <a:t> returns true </a:t>
+            </a:r>
+            <a:r>
+              <a:rPr lang="en-US" altLang="zh-CN" sz="1200" dirty="0" err="1" smtClean="0"/>
+              <a:t>iff</a:t>
             </a:r>
             <a:r>
               <a:rPr lang="en-US" altLang="zh-CN" sz="1200" dirty="0" smtClean="0"/>
-              <a:t>execute event</a:t>
-            </a:r>
-          </a:p>
-          <a:p>
-            <a:r>
-              <a:rPr lang="en-US" altLang="zh-CN" sz="1200" b="1" i="1" dirty="0" smtClean="0"/>
-              <a:t>FLUSH</a:t>
-            </a:r>
-            <a:r>
-              <a:rPr lang="zh-CN" altLang="en-US" sz="1200" dirty="0" smtClean="0"/>
-              <a:t>：</a:t>
-            </a:r>
-            <a:r>
-              <a:rPr lang="en-US" altLang="zh-CN" sz="1200" dirty="0" smtClean="0"/>
-              <a:t>flush state</a:t>
-            </a:r>
-          </a:p>
-          <a:p>
-            <a:r>
-              <a:rPr lang="en-US" altLang="zh-CN" sz="1200" b="1" i="1" dirty="0" smtClean="0"/>
-              <a:t>STEPSEQ</a:t>
-            </a:r>
-            <a:r>
-              <a:rPr lang="zh-CN" altLang="en-US" sz="1200" dirty="0" smtClean="0"/>
-              <a:t>：</a:t>
-            </a:r>
-            <a:r>
-              <a:rPr lang="en-US" altLang="zh-CN" sz="1200" dirty="0" smtClean="0"/>
-              <a:t>flush at every step</a:t>
-            </a:r>
-            <a:endParaRPr lang="zh-CN" altLang="en-US" sz="1200" dirty="0" smtClean="0"/>
-          </a:p>
-          <a:p>
-            <a:r>
-              <a:rPr lang="en-US" altLang="zh-CN" dirty="0" smtClean="0"/>
-              <a:t>CRASH:</a:t>
-            </a:r>
-            <a:r>
-              <a:rPr lang="en-US" altLang="zh-CN" baseline="0" dirty="0" smtClean="0"/>
-              <a:t> </a:t>
-            </a:r>
-            <a:r>
-              <a:rPr lang="zh-CN" altLang="en-US" baseline="0" dirty="0" smtClean="0"/>
-              <a:t>任意位置停止程序</a:t>
-            </a:r>
-            <a:endParaRPr lang="en-US" altLang="zh-CN" baseline="0" dirty="0" smtClean="0"/>
-          </a:p>
-          <a:p>
-            <a:r>
-              <a:rPr lang="en-US" altLang="zh-CN" dirty="0" smtClean="0"/>
-              <a:t>NONDEF</a:t>
-            </a:r>
-            <a:r>
-              <a:rPr lang="zh-CN" altLang="en-US" dirty="0" smtClean="0"/>
-              <a:t>：转换状态而不执行程序中的下一个事件</a:t>
-            </a:r>
+              <a:t> the program crashes after the given label.</a:t>
+            </a:r>
+            <a:endParaRPr lang="zh-CN" altLang="en-US" sz="1200" i="1" dirty="0" smtClean="0"/>
+          </a:p>
+          <a:p>
             <a:endParaRPr lang="zh-CN" altLang="en-US" dirty="0"/>
           </a:p>
         </p:txBody>
@@ -828,7 +810,7 @@
           <a:p>
             <a:fld id="{C432B939-5028-43FF-946C-4FAEFABB0219}" type="slidenum">
               <a:rPr lang="zh-CN" altLang="en-US" smtClean="0"/>
-              <a:t>27</a:t>
+              <a:t>20</a:t>
             </a:fld>
             <a:endParaRPr lang="zh-CN" altLang="en-US"/>
           </a:p>
@@ -837,7 +819,7 @@
     </p:spTree>
     <p:extLst>
       <p:ext uri="{BB962C8B-B14F-4D97-AF65-F5344CB8AC3E}">
-        <p14:creationId xmlns:p14="http://schemas.microsoft.com/office/powerpoint/2010/main" val="1833978664"/>
+        <p14:creationId xmlns:p14="http://schemas.microsoft.com/office/powerpoint/2010/main" val="882208362"/>
       </p:ext>
     </p:extLst>
   </p:cSld>
@@ -892,8 +874,16 @@
           <a:lstStyle/>
           <a:p>
             <a:r>
+              <a:rPr lang="en-US" altLang="zh-CN" dirty="0" smtClean="0"/>
+              <a:t>prefix-</a:t>
+            </a:r>
+            <a:r>
+              <a:rPr lang="en-US" altLang="zh-CN" dirty="0" err="1" smtClean="0"/>
+              <a:t>appennd</a:t>
+            </a:r>
+            <a:r>
               <a:rPr lang="zh-CN" altLang="en-US" dirty="0" smtClean="0"/>
-              <a:t>执行针对文件系统实现的测试和针对规范的测试</a:t>
+              <a:t>检查在崩溃后是不是一个文件会包含一个前缀，这个前缀本来是要被追加进去的</a:t>
             </a:r>
             <a:endParaRPr lang="zh-CN" altLang="en-US" dirty="0"/>
           </a:p>
@@ -916,7 +906,7 @@
           <a:p>
             <a:fld id="{C432B939-5028-43FF-946C-4FAEFABB0219}" type="slidenum">
               <a:rPr lang="zh-CN" altLang="en-US" smtClean="0"/>
-              <a:t>29</a:t>
+              <a:t>21</a:t>
             </a:fld>
             <a:endParaRPr lang="zh-CN" altLang="en-US"/>
           </a:p>
@@ -925,7 +915,7 @@
     </p:spTree>
     <p:extLst>
       <p:ext uri="{BB962C8B-B14F-4D97-AF65-F5344CB8AC3E}">
-        <p14:creationId xmlns:p14="http://schemas.microsoft.com/office/powerpoint/2010/main" val="416344385"/>
+        <p14:creationId xmlns:p14="http://schemas.microsoft.com/office/powerpoint/2010/main" val="642815072"/>
       </p:ext>
     </p:extLst>
   </p:cSld>
@@ -979,28 +969,6 @@
           <a:bodyPr/>
           <a:lstStyle/>
           <a:p>
-            <a:r>
-              <a:rPr lang="en-US" altLang="zh-CN" sz="1200" b="0" i="0" u="none" strike="noStrike" kern="1200" baseline="0" dirty="0" err="1" smtClean="0">
-                <a:solidFill>
-                  <a:schemeClr val="tx1"/>
-                </a:solidFill>
-                <a:latin typeface="+mn-lt"/>
-                <a:ea typeface="+mn-ea"/>
-                <a:cs typeface="+mn-cs"/>
-              </a:rPr>
-              <a:t>Dafny</a:t>
-            </a:r>
-            <a:r>
-              <a:rPr lang="en-US" altLang="zh-CN" sz="1200" b="0" i="0" u="none" strike="noStrike" kern="1200" baseline="0" dirty="0" smtClean="0">
-                <a:solidFill>
-                  <a:schemeClr val="tx1"/>
-                </a:solidFill>
-                <a:latin typeface="+mn-lt"/>
-                <a:ea typeface="+mn-ea"/>
-                <a:cs typeface="+mn-cs"/>
-              </a:rPr>
-              <a:t> proves its crash-safety with respect to all possible file sizes. FERRITE, in contrast, expects a bound on the file size, as provided in our litmus tests.</a:t>
-            </a:r>
             <a:endParaRPr lang="zh-CN" altLang="en-US" dirty="0"/>
           </a:p>
         </p:txBody>
@@ -1022,7 +990,7 @@
           <a:p>
             <a:fld id="{C432B939-5028-43FF-946C-4FAEFABB0219}" type="slidenum">
               <a:rPr lang="zh-CN" altLang="en-US" smtClean="0"/>
-              <a:t>30</a:t>
+              <a:t>22</a:t>
             </a:fld>
             <a:endParaRPr lang="zh-CN" altLang="en-US"/>
           </a:p>
@@ -1031,7 +999,7 @@
     </p:spTree>
     <p:extLst>
       <p:ext uri="{BB962C8B-B14F-4D97-AF65-F5344CB8AC3E}">
-        <p14:creationId xmlns:p14="http://schemas.microsoft.com/office/powerpoint/2010/main" val="2457233420"/>
+        <p14:creationId xmlns:p14="http://schemas.microsoft.com/office/powerpoint/2010/main" val="3643953711"/>
       </p:ext>
     </p:extLst>
   </p:cSld>
@@ -1085,6 +1053,56 @@
           <a:bodyPr/>
           <a:lstStyle/>
           <a:p>
+            <a:r>
+              <a:rPr lang="zh-CN" altLang="en-US" dirty="0" smtClean="0"/>
+              <a:t>通过例子介绍一些定义</a:t>
+            </a:r>
+            <a:endParaRPr lang="en-US" altLang="zh-CN" dirty="0" smtClean="0"/>
+          </a:p>
+          <a:p>
+            <a:r>
+              <a:rPr lang="zh-CN" altLang="en-US" dirty="0" smtClean="0"/>
+              <a:t>首先这个文件系统是未定义的，第二个框表明了</a:t>
+            </a:r>
+            <a:r>
+              <a:rPr lang="en-US" altLang="zh-CN" dirty="0" smtClean="0"/>
+              <a:t>f</a:t>
+            </a:r>
+            <a:r>
+              <a:rPr lang="zh-CN" altLang="en-US" dirty="0" smtClean="0"/>
+              <a:t>和</a:t>
+            </a:r>
+            <a:r>
+              <a:rPr lang="en-US" altLang="zh-CN" dirty="0" smtClean="0"/>
+              <a:t>g</a:t>
+            </a:r>
+            <a:r>
+              <a:rPr lang="zh-CN" altLang="en-US" dirty="0" smtClean="0"/>
+              <a:t>的内容是</a:t>
+            </a:r>
+            <a:r>
+              <a:rPr lang="en-US" altLang="zh-CN" dirty="0" smtClean="0"/>
+              <a:t>b</a:t>
+            </a:r>
+            <a:r>
+              <a:rPr lang="zh-CN" altLang="en-US" dirty="0" smtClean="0"/>
+              <a:t>，属性是</a:t>
+            </a:r>
+            <a:r>
+              <a:rPr lang="en-US" altLang="zh-CN" dirty="0" smtClean="0"/>
+              <a:t>m</a:t>
+            </a:r>
+            <a:r>
+              <a:rPr lang="zh-CN" altLang="en-US" dirty="0" smtClean="0"/>
+              <a:t>。</a:t>
+            </a:r>
+            <a:endParaRPr lang="en-US" altLang="zh-CN" dirty="0" smtClean="0"/>
+          </a:p>
+          <a:p>
+            <a:r>
+              <a:rPr lang="zh-CN" altLang="en-US" dirty="0" smtClean="0"/>
+              <a:t>只有这三种是合法的，其他的是这三种的前缀排列，都表明系统崩了。</a:t>
+            </a:r>
             <a:endParaRPr lang="zh-CN" altLang="en-US" dirty="0"/>
           </a:p>
         </p:txBody>
@@ -1106,7 +1124,7 @@
           <a:p>
             <a:fld id="{C432B939-5028-43FF-946C-4FAEFABB0219}" type="slidenum">
               <a:rPr lang="zh-CN" altLang="en-US" smtClean="0"/>
-              <a:t>31</a:t>
+              <a:t>24</a:t>
             </a:fld>
             <a:endParaRPr lang="zh-CN" altLang="en-US"/>
           </a:p>
@@ -1115,7 +1133,670 @@
     </p:spTree>
     <p:extLst>
       <p:ext uri="{BB962C8B-B14F-4D97-AF65-F5344CB8AC3E}">
-        <p14:creationId xmlns:p14="http://schemas.microsoft.com/office/powerpoint/2010/main" val="4167496065"/>
+        <p14:creationId xmlns:p14="http://schemas.microsoft.com/office/powerpoint/2010/main" val="4008365524"/>
+      </p:ext>
+    </p:extLst>
+  </p:cSld>
+  <p:clrMapOvr>
+    <a:masterClrMapping/>
+  </p:clrMapOvr>
+</p:notes>
+</file>
+
+<file path=ppt/notesSlides/notesSlide15.xml><?xml version="1.0" encoding="utf-8"?>
+<p:notes xmlns:a="http://schemas.openxmlformats.org/drawingml/2006/main" xmlns:r="http://schemas.openxmlformats.org/officeDocument/2006/relationships" xmlns:p="http://schemas.openxmlformats.org/presentationml/2006/main">
+  <p:cSld>
+    <p:spTree>
+      <p:nvGrpSpPr>
+        <p:cNvPr id="1" name=""/>
+        <p:cNvGrpSpPr/>
+        <p:nvPr/>
+      </p:nvGrpSpPr>
+      <p:grpSpPr>
+        <a:xfrm>
+          <a:off x="0" y="0"/>
+          <a:ext cx="0" cy="0"/>
+          <a:chOff x="0" y="0"/>
+          <a:chExt cx="0" cy="0"/>
+        </a:xfrm>
+      </p:grpSpPr>
+      <p:sp>
+        <p:nvSpPr>
+          <p:cNvPr id="2" name="幻灯片图像占位符 1"/>
+          <p:cNvSpPr>
+            <a:spLocks noGrp="1" noRot="1" noChangeAspect="1"/>
+          </p:cNvSpPr>
+          <p:nvPr>
+            <p:ph type="sldImg"/>
+          </p:nvPr>
+        </p:nvSpPr>
+        <p:spPr/>
+      </p:sp>
+      <p:sp>
+        <p:nvSpPr>
+          <p:cNvPr id="3" name="备注占位符 2"/>
+          <p:cNvSpPr>
+            <a:spLocks noGrp="1"/>
+          </p:cNvSpPr>
+          <p:nvPr>
+            <p:ph type="body" idx="1"/>
+          </p:nvPr>
+        </p:nvSpPr>
+        <p:spPr/>
+        <p:txBody>
+          <a:bodyPr/>
+          <a:lstStyle/>
+          <a:p>
+            <a:r>
+              <a:rPr lang="en-US" altLang="zh-CN" dirty="0" smtClean="0"/>
+              <a:t>SCC</a:t>
+            </a:r>
+            <a:r>
+              <a:rPr lang="zh-CN" altLang="en-US" dirty="0" smtClean="0"/>
+              <a:t>不允许所有的重排事件</a:t>
+            </a:r>
+            <a:r>
+              <a:rPr lang="en-US" altLang="zh-CN" dirty="0" smtClean="0"/>
+              <a:t>permit no re-ordering of events</a:t>
+            </a:r>
+            <a:endParaRPr lang="zh-CN" altLang="en-US" dirty="0"/>
+          </a:p>
+        </p:txBody>
+      </p:sp>
+      <p:sp>
+        <p:nvSpPr>
+          <p:cNvPr id="4" name="灯片编号占位符 3"/>
+          <p:cNvSpPr>
+            <a:spLocks noGrp="1"/>
+          </p:cNvSpPr>
+          <p:nvPr>
+            <p:ph type="sldNum" sz="quarter" idx="10"/>
+          </p:nvPr>
+        </p:nvSpPr>
+        <p:spPr/>
+        <p:txBody>
+          <a:bodyPr/>
+          <a:lstStyle/>
+          <a:p>
+            <a:fld id="{C432B939-5028-43FF-946C-4FAEFABB0219}" type="slidenum">
+              <a:rPr lang="zh-CN" altLang="en-US" smtClean="0"/>
+              <a:t>25</a:t>
+            </a:fld>
+            <a:endParaRPr lang="zh-CN" altLang="en-US"/>
+          </a:p>
+        </p:txBody>
+      </p:sp>
+    </p:spTree>
+    <p:extLst>
+      <p:ext uri="{BB962C8B-B14F-4D97-AF65-F5344CB8AC3E}">
+        <p14:creationId xmlns:p14="http://schemas.microsoft.com/office/powerpoint/2010/main" val="2104856863"/>
+      </p:ext>
+    </p:extLst>
+  </p:cSld>
+  <p:clrMapOvr>
+    <a:masterClrMapping/>
+  </p:clrMapOvr>
+</p:notes>
+</file>
+
+<file path=ppt/notesSlides/notesSlide16.xml><?xml version="1.0" encoding="utf-8"?>
+<p:notes xmlns:a="http://schemas.openxmlformats.org/drawingml/2006/main" xmlns:r="http://schemas.openxmlformats.org/officeDocument/2006/relationships" xmlns:p="http://schemas.openxmlformats.org/presentationml/2006/main">
+  <p:cSld>
+    <p:spTree>
+      <p:nvGrpSpPr>
+        <p:cNvPr id="1" name=""/>
+        <p:cNvGrpSpPr/>
+        <p:nvPr/>
+      </p:nvGrpSpPr>
+      <p:grpSpPr>
+        <a:xfrm>
+          <a:off x="0" y="0"/>
+          <a:ext cx="0" cy="0"/>
+          <a:chOff x="0" y="0"/>
+          <a:chExt cx="0" cy="0"/>
+        </a:xfrm>
+      </p:grpSpPr>
+      <p:sp>
+        <p:nvSpPr>
+          <p:cNvPr id="2" name="幻灯片图像占位符 1"/>
+          <p:cNvSpPr>
+            <a:spLocks noGrp="1" noRot="1" noChangeAspect="1"/>
+          </p:cNvSpPr>
+          <p:nvPr>
+            <p:ph type="sldImg"/>
+          </p:nvPr>
+        </p:nvSpPr>
+        <p:spPr/>
+      </p:sp>
+      <p:sp>
+        <p:nvSpPr>
+          <p:cNvPr id="3" name="备注占位符 2"/>
+          <p:cNvSpPr>
+            <a:spLocks noGrp="1"/>
+          </p:cNvSpPr>
+          <p:nvPr>
+            <p:ph type="body" idx="1"/>
+          </p:nvPr>
+        </p:nvSpPr>
+        <p:spPr/>
+        <p:txBody>
+          <a:bodyPr/>
+          <a:lstStyle/>
+          <a:p>
+            <a:r>
+              <a:rPr lang="el-GR" altLang="zh-CN" sz="1200" dirty="0" smtClean="0"/>
+              <a:t>σ</a:t>
+            </a:r>
+            <a:r>
+              <a:rPr lang="zh-CN" altLang="en-US" sz="1200" dirty="0" smtClean="0"/>
+              <a:t>二元组是文件系统当前的状态，</a:t>
+            </a:r>
+            <a:r>
+              <a:rPr lang="en-US" altLang="zh-CN" sz="1200" dirty="0" smtClean="0"/>
+              <a:t>p</a:t>
+            </a:r>
+            <a:r>
+              <a:rPr lang="zh-CN" altLang="en-US" sz="1200" dirty="0" smtClean="0"/>
+              <a:t>是程序计数器，就是</a:t>
+            </a:r>
+            <a:r>
+              <a:rPr lang="en-US" altLang="zh-CN" sz="1200" dirty="0" smtClean="0"/>
+              <a:t>pc</a:t>
+            </a:r>
+            <a:r>
+              <a:rPr lang="zh-CN" altLang="en-US" sz="1200" dirty="0" smtClean="0"/>
+              <a:t>，</a:t>
+            </a:r>
+            <a:endParaRPr lang="en-US" altLang="zh-CN" sz="1200" dirty="0" smtClean="0"/>
+          </a:p>
+          <a:p>
+            <a:r>
+              <a:rPr lang="en-US" altLang="zh-CN" sz="1200" b="1" i="1" dirty="0" smtClean="0"/>
+              <a:t>APPLY</a:t>
+            </a:r>
+            <a:r>
+              <a:rPr lang="zh-CN" altLang="en-US" sz="1200" dirty="0" smtClean="0"/>
+              <a:t>：</a:t>
+            </a:r>
+            <a:r>
+              <a:rPr lang="en-US" altLang="zh-CN" sz="1200" dirty="0" smtClean="0"/>
+              <a:t>execute event</a:t>
+            </a:r>
+          </a:p>
+          <a:p>
+            <a:r>
+              <a:rPr lang="en-US" altLang="zh-CN" sz="1200" b="1" i="1" dirty="0" smtClean="0"/>
+              <a:t>FLUSH</a:t>
+            </a:r>
+            <a:r>
+              <a:rPr lang="zh-CN" altLang="en-US" sz="1200" dirty="0" smtClean="0"/>
+              <a:t>：</a:t>
+            </a:r>
+            <a:r>
+              <a:rPr lang="en-US" altLang="zh-CN" sz="1200" dirty="0" smtClean="0"/>
+              <a:t>flush state</a:t>
+            </a:r>
+          </a:p>
+          <a:p>
+            <a:r>
+              <a:rPr lang="en-US" altLang="zh-CN" sz="1200" b="1" i="1" dirty="0" smtClean="0"/>
+              <a:t>STEPSEQ</a:t>
+            </a:r>
+            <a:r>
+              <a:rPr lang="zh-CN" altLang="en-US" sz="1200" dirty="0" smtClean="0"/>
+              <a:t>：</a:t>
+            </a:r>
+            <a:r>
+              <a:rPr lang="en-US" altLang="zh-CN" sz="1200" dirty="0" smtClean="0"/>
+              <a:t>flush at every step</a:t>
+            </a:r>
+            <a:endParaRPr lang="zh-CN" altLang="en-US" sz="1200" dirty="0" smtClean="0"/>
+          </a:p>
+          <a:p>
+            <a:r>
+              <a:rPr lang="en-US" altLang="zh-CN" dirty="0" smtClean="0"/>
+              <a:t>CRASH:</a:t>
+            </a:r>
+            <a:r>
+              <a:rPr lang="en-US" altLang="zh-CN" baseline="0" dirty="0" smtClean="0"/>
+              <a:t> </a:t>
+            </a:r>
+            <a:r>
+              <a:rPr lang="zh-CN" altLang="en-US" baseline="0" dirty="0" smtClean="0"/>
+              <a:t>任意位置停止程序</a:t>
+            </a:r>
+            <a:endParaRPr lang="en-US" altLang="zh-CN" baseline="0" dirty="0" smtClean="0"/>
+          </a:p>
+          <a:p>
+            <a:r>
+              <a:rPr lang="en-US" altLang="zh-CN" dirty="0" smtClean="0"/>
+              <a:t>NONDEF</a:t>
+            </a:r>
+            <a:r>
+              <a:rPr lang="zh-CN" altLang="en-US" dirty="0" smtClean="0"/>
+              <a:t>：转换状态而不执行程序中的下一个事件</a:t>
+            </a:r>
+            <a:endParaRPr lang="zh-CN" altLang="en-US" dirty="0"/>
+          </a:p>
+        </p:txBody>
+      </p:sp>
+      <p:sp>
+        <p:nvSpPr>
+          <p:cNvPr id="4" name="灯片编号占位符 3"/>
+          <p:cNvSpPr>
+            <a:spLocks noGrp="1"/>
+          </p:cNvSpPr>
+          <p:nvPr>
+            <p:ph type="sldNum" sz="quarter" idx="10"/>
+          </p:nvPr>
+        </p:nvSpPr>
+        <p:spPr/>
+        <p:txBody>
+          <a:bodyPr/>
+          <a:lstStyle/>
+          <a:p>
+            <a:fld id="{C432B939-5028-43FF-946C-4FAEFABB0219}" type="slidenum">
+              <a:rPr lang="zh-CN" altLang="en-US" smtClean="0"/>
+              <a:t>26</a:t>
+            </a:fld>
+            <a:endParaRPr lang="zh-CN" altLang="en-US"/>
+          </a:p>
+        </p:txBody>
+      </p:sp>
+    </p:spTree>
+    <p:extLst>
+      <p:ext uri="{BB962C8B-B14F-4D97-AF65-F5344CB8AC3E}">
+        <p14:creationId xmlns:p14="http://schemas.microsoft.com/office/powerpoint/2010/main" val="1833978664"/>
+      </p:ext>
+    </p:extLst>
+  </p:cSld>
+  <p:clrMapOvr>
+    <a:masterClrMapping/>
+  </p:clrMapOvr>
+</p:notes>
+</file>
+
+<file path=ppt/notesSlides/notesSlide17.xml><?xml version="1.0" encoding="utf-8"?>
+<p:notes xmlns:a="http://schemas.openxmlformats.org/drawingml/2006/main" xmlns:r="http://schemas.openxmlformats.org/officeDocument/2006/relationships" xmlns:p="http://schemas.openxmlformats.org/presentationml/2006/main">
+  <p:cSld>
+    <p:spTree>
+      <p:nvGrpSpPr>
+        <p:cNvPr id="1" name=""/>
+        <p:cNvGrpSpPr/>
+        <p:nvPr/>
+      </p:nvGrpSpPr>
+      <p:grpSpPr>
+        <a:xfrm>
+          <a:off x="0" y="0"/>
+          <a:ext cx="0" cy="0"/>
+          <a:chOff x="0" y="0"/>
+          <a:chExt cx="0" cy="0"/>
+        </a:xfrm>
+      </p:grpSpPr>
+      <p:sp>
+        <p:nvSpPr>
+          <p:cNvPr id="2" name="幻灯片图像占位符 1"/>
+          <p:cNvSpPr>
+            <a:spLocks noGrp="1" noRot="1" noChangeAspect="1"/>
+          </p:cNvSpPr>
+          <p:nvPr>
+            <p:ph type="sldImg"/>
+          </p:nvPr>
+        </p:nvSpPr>
+        <p:spPr/>
+      </p:sp>
+      <p:sp>
+        <p:nvSpPr>
+          <p:cNvPr id="3" name="备注占位符 2"/>
+          <p:cNvSpPr>
+            <a:spLocks noGrp="1"/>
+          </p:cNvSpPr>
+          <p:nvPr>
+            <p:ph type="body" idx="1"/>
+          </p:nvPr>
+        </p:nvSpPr>
+        <p:spPr/>
+        <p:txBody>
+          <a:bodyPr/>
+          <a:lstStyle/>
+          <a:p>
+            <a:r>
+              <a:rPr lang="zh-CN" altLang="en-US" dirty="0" smtClean="0"/>
+              <a:t>枚举</a:t>
+            </a:r>
+          </a:p>
+          <a:p>
+            <a:r>
+              <a:rPr lang="zh-CN" altLang="en-US" dirty="0" smtClean="0"/>
+              <a:t>执行石蕊试验以确定所有可能的崩溃行为的集合。</a:t>
+            </a:r>
+          </a:p>
+          <a:p>
+            <a:r>
+              <a:rPr lang="zh-CN" altLang="en-US" dirty="0" smtClean="0"/>
+              <a:t>确保石蕊试验确实代表了行为。</a:t>
+            </a:r>
+          </a:p>
+          <a:p>
+            <a:r>
+              <a:rPr lang="zh-CN" altLang="en-US" dirty="0" smtClean="0"/>
+              <a:t>模型检查员</a:t>
+            </a:r>
+          </a:p>
+          <a:p>
+            <a:r>
+              <a:rPr lang="zh-CN" altLang="en-US" dirty="0" smtClean="0"/>
+              <a:t>针对公理规范执行石蕊试验。</a:t>
+            </a:r>
+          </a:p>
+          <a:p>
+            <a:r>
+              <a:rPr lang="zh-CN" altLang="en-US" dirty="0" smtClean="0"/>
+              <a:t>确保形式化允许在石蕊试验中编码的代表性行为</a:t>
+            </a:r>
+            <a:endParaRPr lang="zh-CN" altLang="en-US" dirty="0"/>
+          </a:p>
+        </p:txBody>
+      </p:sp>
+      <p:sp>
+        <p:nvSpPr>
+          <p:cNvPr id="4" name="灯片编号占位符 3"/>
+          <p:cNvSpPr>
+            <a:spLocks noGrp="1"/>
+          </p:cNvSpPr>
+          <p:nvPr>
+            <p:ph type="sldNum" sz="quarter" idx="10"/>
+          </p:nvPr>
+        </p:nvSpPr>
+        <p:spPr/>
+        <p:txBody>
+          <a:bodyPr/>
+          <a:lstStyle/>
+          <a:p>
+            <a:fld id="{C432B939-5028-43FF-946C-4FAEFABB0219}" type="slidenum">
+              <a:rPr lang="zh-CN" altLang="en-US" smtClean="0"/>
+              <a:t>27</a:t>
+            </a:fld>
+            <a:endParaRPr lang="zh-CN" altLang="en-US"/>
+          </a:p>
+        </p:txBody>
+      </p:sp>
+    </p:spTree>
+    <p:extLst>
+      <p:ext uri="{BB962C8B-B14F-4D97-AF65-F5344CB8AC3E}">
+        <p14:creationId xmlns:p14="http://schemas.microsoft.com/office/powerpoint/2010/main" val="3412584810"/>
+      </p:ext>
+    </p:extLst>
+  </p:cSld>
+  <p:clrMapOvr>
+    <a:masterClrMapping/>
+  </p:clrMapOvr>
+</p:notes>
+</file>
+
+<file path=ppt/notesSlides/notesSlide18.xml><?xml version="1.0" encoding="utf-8"?>
+<p:notes xmlns:a="http://schemas.openxmlformats.org/drawingml/2006/main" xmlns:r="http://schemas.openxmlformats.org/officeDocument/2006/relationships" xmlns:p="http://schemas.openxmlformats.org/presentationml/2006/main">
+  <p:cSld>
+    <p:spTree>
+      <p:nvGrpSpPr>
+        <p:cNvPr id="1" name=""/>
+        <p:cNvGrpSpPr/>
+        <p:nvPr/>
+      </p:nvGrpSpPr>
+      <p:grpSpPr>
+        <a:xfrm>
+          <a:off x="0" y="0"/>
+          <a:ext cx="0" cy="0"/>
+          <a:chOff x="0" y="0"/>
+          <a:chExt cx="0" cy="0"/>
+        </a:xfrm>
+      </p:grpSpPr>
+      <p:sp>
+        <p:nvSpPr>
+          <p:cNvPr id="2" name="幻灯片图像占位符 1"/>
+          <p:cNvSpPr>
+            <a:spLocks noGrp="1" noRot="1" noChangeAspect="1"/>
+          </p:cNvSpPr>
+          <p:nvPr>
+            <p:ph type="sldImg"/>
+          </p:nvPr>
+        </p:nvSpPr>
+        <p:spPr/>
+      </p:sp>
+      <p:sp>
+        <p:nvSpPr>
+          <p:cNvPr id="3" name="备注占位符 2"/>
+          <p:cNvSpPr>
+            <a:spLocks noGrp="1"/>
+          </p:cNvSpPr>
+          <p:nvPr>
+            <p:ph type="body" idx="1"/>
+          </p:nvPr>
+        </p:nvSpPr>
+        <p:spPr/>
+        <p:txBody>
+          <a:bodyPr/>
+          <a:lstStyle/>
+          <a:p>
+            <a:r>
+              <a:rPr lang="zh-CN" altLang="en-US" dirty="0" smtClean="0"/>
+              <a:t>执行针对文件系统实现的测试和针对规范的测试</a:t>
+            </a:r>
+            <a:endParaRPr lang="en-US" altLang="zh-CN" dirty="0" smtClean="0"/>
+          </a:p>
+          <a:p>
+            <a:endParaRPr lang="en-US" altLang="zh-CN" dirty="0" smtClean="0"/>
+          </a:p>
+          <a:p>
+            <a:r>
+              <a:rPr lang="zh-CN" altLang="en-US" dirty="0" smtClean="0"/>
+              <a:t>模拟器运行测试来得到一个所有崩溃行为集合，再把恢复出来的文件系统挂载到系统上，</a:t>
+            </a:r>
+            <a:endParaRPr lang="en-US" altLang="zh-CN" dirty="0" smtClean="0"/>
+          </a:p>
+          <a:p>
+            <a:r>
+              <a:rPr lang="zh-CN" altLang="en-US" dirty="0" smtClean="0"/>
+              <a:t>检查器检查</a:t>
+            </a:r>
+            <a:endParaRPr lang="en-US" altLang="zh-CN" dirty="0" smtClean="0"/>
+          </a:p>
+          <a:p>
+            <a:endParaRPr lang="zh-CN" altLang="en-US" dirty="0"/>
+          </a:p>
+        </p:txBody>
+      </p:sp>
+      <p:sp>
+        <p:nvSpPr>
+          <p:cNvPr id="4" name="灯片编号占位符 3"/>
+          <p:cNvSpPr>
+            <a:spLocks noGrp="1"/>
+          </p:cNvSpPr>
+          <p:nvPr>
+            <p:ph type="sldNum" sz="quarter" idx="10"/>
+          </p:nvPr>
+        </p:nvSpPr>
+        <p:spPr/>
+        <p:txBody>
+          <a:bodyPr/>
+          <a:lstStyle/>
+          <a:p>
+            <a:fld id="{C432B939-5028-43FF-946C-4FAEFABB0219}" type="slidenum">
+              <a:rPr lang="zh-CN" altLang="en-US" smtClean="0"/>
+              <a:t>28</a:t>
+            </a:fld>
+            <a:endParaRPr lang="zh-CN" altLang="en-US"/>
+          </a:p>
+        </p:txBody>
+      </p:sp>
+    </p:spTree>
+    <p:extLst>
+      <p:ext uri="{BB962C8B-B14F-4D97-AF65-F5344CB8AC3E}">
+        <p14:creationId xmlns:p14="http://schemas.microsoft.com/office/powerpoint/2010/main" val="416344385"/>
+      </p:ext>
+    </p:extLst>
+  </p:cSld>
+  <p:clrMapOvr>
+    <a:masterClrMapping/>
+  </p:clrMapOvr>
+</p:notes>
+</file>
+
+<file path=ppt/notesSlides/notesSlide19.xml><?xml version="1.0" encoding="utf-8"?>
+<p:notes xmlns:a="http://schemas.openxmlformats.org/drawingml/2006/main" xmlns:r="http://schemas.openxmlformats.org/officeDocument/2006/relationships" xmlns:p="http://schemas.openxmlformats.org/presentationml/2006/main">
+  <p:cSld>
+    <p:spTree>
+      <p:nvGrpSpPr>
+        <p:cNvPr id="1" name=""/>
+        <p:cNvGrpSpPr/>
+        <p:nvPr/>
+      </p:nvGrpSpPr>
+      <p:grpSpPr>
+        <a:xfrm>
+          <a:off x="0" y="0"/>
+          <a:ext cx="0" cy="0"/>
+          <a:chOff x="0" y="0"/>
+          <a:chExt cx="0" cy="0"/>
+        </a:xfrm>
+      </p:grpSpPr>
+      <p:sp>
+        <p:nvSpPr>
+          <p:cNvPr id="2" name="幻灯片图像占位符 1"/>
+          <p:cNvSpPr>
+            <a:spLocks noGrp="1" noRot="1" noChangeAspect="1"/>
+          </p:cNvSpPr>
+          <p:nvPr>
+            <p:ph type="sldImg"/>
+          </p:nvPr>
+        </p:nvSpPr>
+        <p:spPr/>
+      </p:sp>
+      <p:sp>
+        <p:nvSpPr>
+          <p:cNvPr id="3" name="备注占位符 2"/>
+          <p:cNvSpPr>
+            <a:spLocks noGrp="1"/>
+          </p:cNvSpPr>
+          <p:nvPr>
+            <p:ph type="body" idx="1"/>
+          </p:nvPr>
+        </p:nvSpPr>
+        <p:spPr/>
+        <p:txBody>
+          <a:bodyPr/>
+          <a:lstStyle/>
+          <a:p>
+            <a:r>
+              <a:rPr lang="en-US" altLang="zh-CN" sz="1200" b="0" i="0" u="none" strike="noStrike" kern="1200" baseline="0" dirty="0" err="1" smtClean="0">
+                <a:solidFill>
+                  <a:schemeClr val="tx1"/>
+                </a:solidFill>
+                <a:latin typeface="+mn-lt"/>
+                <a:ea typeface="+mn-ea"/>
+                <a:cs typeface="+mn-cs"/>
+              </a:rPr>
+              <a:t>Dafny</a:t>
+            </a:r>
+            <a:r>
+              <a:rPr lang="en-US" altLang="zh-CN" sz="1200" b="0" i="0" u="none" strike="noStrike" kern="1200" baseline="0" dirty="0" smtClean="0">
+                <a:solidFill>
+                  <a:schemeClr val="tx1"/>
+                </a:solidFill>
+                <a:latin typeface="+mn-lt"/>
+                <a:ea typeface="+mn-ea"/>
+                <a:cs typeface="+mn-cs"/>
+              </a:rPr>
+              <a:t> proves its crash-safety with </a:t>
+            </a:r>
+            <a:r>
+              <a:rPr lang="en-US" altLang="zh-CN" sz="1200" b="0" i="0" u="none" strike="noStrike" kern="1200" baseline="0" dirty="0" smtClean="0">
+                <a:solidFill>
+                  <a:schemeClr val="tx1"/>
+                </a:solidFill>
+                <a:latin typeface="+mn-lt"/>
+                <a:ea typeface="+mn-ea"/>
+                <a:cs typeface="+mn-cs"/>
+              </a:rPr>
+              <a:t>respect </a:t>
+            </a:r>
+            <a:r>
+              <a:rPr lang="en-US" altLang="zh-CN" sz="1200" b="0" i="0" u="none" strike="noStrike" kern="1200" baseline="0" dirty="0" smtClean="0">
+                <a:solidFill>
+                  <a:schemeClr val="tx1"/>
+                </a:solidFill>
+                <a:latin typeface="+mn-lt"/>
+                <a:ea typeface="+mn-ea"/>
+                <a:cs typeface="+mn-cs"/>
+              </a:rPr>
+              <a:t>to all possible file sizes. FERRITE, in contrast, expects a bound on the file size, as provided in our litmus tests</a:t>
+            </a:r>
+            <a:r>
+              <a:rPr lang="en-US" altLang="zh-CN" sz="1200" b="0" i="0" u="none" strike="noStrike" kern="1200" baseline="0" dirty="0" smtClean="0">
+                <a:solidFill>
+                  <a:schemeClr val="tx1"/>
+                </a:solidFill>
+                <a:latin typeface="+mn-lt"/>
+                <a:ea typeface="+mn-ea"/>
+                <a:cs typeface="+mn-cs"/>
+              </a:rPr>
+              <a:t>.</a:t>
+            </a:r>
+          </a:p>
+          <a:p>
+            <a:r>
+              <a:rPr lang="zh-CN" altLang="en-US" dirty="0" smtClean="0"/>
+              <a:t>在</a:t>
+            </a:r>
+            <a:r>
+              <a:rPr lang="en-US" altLang="zh-CN" dirty="0" err="1" smtClean="0"/>
+              <a:t>Dafny</a:t>
+            </a:r>
+            <a:r>
+              <a:rPr lang="zh-CN" altLang="en-US" dirty="0" smtClean="0"/>
+              <a:t>开发一个验证框架，以证明崩溃安全性，使证明自动化非常有效</a:t>
+            </a:r>
+            <a:endParaRPr lang="en-US" altLang="zh-CN" dirty="0" smtClean="0"/>
+          </a:p>
+          <a:p>
+            <a:r>
+              <a:rPr lang="en-US" altLang="zh-CN" dirty="0" err="1" smtClean="0"/>
+              <a:t>Dafny</a:t>
+            </a:r>
+            <a:r>
+              <a:rPr lang="zh-CN" altLang="en-US" smtClean="0"/>
+              <a:t>是一种带有程序验证程序的编程语言。 当您输入程序时，验证程序会不断地查看您的肩膀并标记任何错误。</a:t>
+            </a:r>
+            <a:endParaRPr lang="zh-CN" altLang="en-US" dirty="0"/>
+          </a:p>
+        </p:txBody>
+      </p:sp>
+      <p:sp>
+        <p:nvSpPr>
+          <p:cNvPr id="4" name="灯片编号占位符 3"/>
+          <p:cNvSpPr>
+            <a:spLocks noGrp="1"/>
+          </p:cNvSpPr>
+          <p:nvPr>
+            <p:ph type="sldNum" sz="quarter" idx="10"/>
+          </p:nvPr>
+        </p:nvSpPr>
+        <p:spPr/>
+        <p:txBody>
+          <a:bodyPr/>
+          <a:lstStyle/>
+          <a:p>
+            <a:fld id="{C432B939-5028-43FF-946C-4FAEFABB0219}" type="slidenum">
+              <a:rPr lang="zh-CN" altLang="en-US" smtClean="0"/>
+              <a:t>29</a:t>
+            </a:fld>
+            <a:endParaRPr lang="zh-CN" altLang="en-US"/>
+          </a:p>
+        </p:txBody>
+      </p:sp>
+    </p:spTree>
+    <p:extLst>
+      <p:ext uri="{BB962C8B-B14F-4D97-AF65-F5344CB8AC3E}">
+        <p14:creationId xmlns:p14="http://schemas.microsoft.com/office/powerpoint/2010/main" val="2457233420"/>
       </p:ext>
     </p:extLst>
   </p:cSld>
@@ -1209,6 +1890,90 @@
 </p:notes>
 </file>
 
+<file path=ppt/notesSlides/notesSlide20.xml><?xml version="1.0" encoding="utf-8"?>
+<p:notes xmlns:a="http://schemas.openxmlformats.org/drawingml/2006/main" xmlns:r="http://schemas.openxmlformats.org/officeDocument/2006/relationships" xmlns:p="http://schemas.openxmlformats.org/presentationml/2006/main">
+  <p:cSld>
+    <p:spTree>
+      <p:nvGrpSpPr>
+        <p:cNvPr id="1" name=""/>
+        <p:cNvGrpSpPr/>
+        <p:nvPr/>
+      </p:nvGrpSpPr>
+      <p:grpSpPr>
+        <a:xfrm>
+          <a:off x="0" y="0"/>
+          <a:ext cx="0" cy="0"/>
+          <a:chOff x="0" y="0"/>
+          <a:chExt cx="0" cy="0"/>
+        </a:xfrm>
+      </p:grpSpPr>
+      <p:sp>
+        <p:nvSpPr>
+          <p:cNvPr id="2" name="幻灯片图像占位符 1"/>
+          <p:cNvSpPr>
+            <a:spLocks noGrp="1" noRot="1" noChangeAspect="1"/>
+          </p:cNvSpPr>
+          <p:nvPr>
+            <p:ph type="sldImg"/>
+          </p:nvPr>
+        </p:nvSpPr>
+        <p:spPr/>
+      </p:sp>
+      <p:sp>
+        <p:nvSpPr>
+          <p:cNvPr id="3" name="备注占位符 2"/>
+          <p:cNvSpPr>
+            <a:spLocks noGrp="1"/>
+          </p:cNvSpPr>
+          <p:nvPr>
+            <p:ph type="body" idx="1"/>
+          </p:nvPr>
+        </p:nvSpPr>
+        <p:spPr/>
+        <p:txBody>
+          <a:bodyPr/>
+          <a:lstStyle/>
+          <a:p>
+            <a:endParaRPr lang="zh-CN" altLang="en-US" dirty="0"/>
+          </a:p>
+        </p:txBody>
+      </p:sp>
+      <p:sp>
+        <p:nvSpPr>
+          <p:cNvPr id="4" name="灯片编号占位符 3"/>
+          <p:cNvSpPr>
+            <a:spLocks noGrp="1"/>
+          </p:cNvSpPr>
+          <p:nvPr>
+            <p:ph type="sldNum" sz="quarter" idx="10"/>
+          </p:nvPr>
+        </p:nvSpPr>
+        <p:spPr/>
+        <p:txBody>
+          <a:bodyPr/>
+          <a:lstStyle/>
+          <a:p>
+            <a:fld id="{C432B939-5028-43FF-946C-4FAEFABB0219}" type="slidenum">
+              <a:rPr lang="zh-CN" altLang="en-US" smtClean="0"/>
+              <a:t>30</a:t>
+            </a:fld>
+            <a:endParaRPr lang="zh-CN" altLang="en-US"/>
+          </a:p>
+        </p:txBody>
+      </p:sp>
+    </p:spTree>
+    <p:extLst>
+      <p:ext uri="{BB962C8B-B14F-4D97-AF65-F5344CB8AC3E}">
+        <p14:creationId xmlns:p14="http://schemas.microsoft.com/office/powerpoint/2010/main" val="4167496065"/>
+      </p:ext>
+    </p:extLst>
+  </p:cSld>
+  <p:clrMapOvr>
+    <a:masterClrMapping/>
+  </p:clrMapOvr>
+</p:notes>
+</file>
+
 <file path=ppt/notesSlides/notesSlide3.xml><?xml version="1.0" encoding="utf-8"?>
 <p:notes xmlns:a="http://schemas.openxmlformats.org/drawingml/2006/main" xmlns:r="http://schemas.openxmlformats.org/officeDocument/2006/relationships" xmlns:p="http://schemas.openxmlformats.org/presentationml/2006/main">
   <p:cSld>
@@ -1253,6 +2018,18 @@
           <a:bodyPr/>
           <a:lstStyle/>
           <a:p>
+            <a:r>
+              <a:rPr lang="zh-CN" altLang="en-US" dirty="0" smtClean="0"/>
+              <a:t>实际出现错误的数量 </a:t>
+            </a:r>
+            <a:r>
+              <a:rPr lang="zh-CN" altLang="en-US" baseline="0" dirty="0" smtClean="0"/>
+              <a:t> 除以</a:t>
+            </a:r>
+            <a:r>
+              <a:rPr lang="zh-CN" altLang="en-US" dirty="0" smtClean="0"/>
+              <a:t>  可能出现错误的语句数量</a:t>
+            </a:r>
             <a:endParaRPr lang="zh-CN" altLang="en-US" dirty="0"/>
           </a:p>
         </p:txBody>
@@ -1347,7 +2124,15 @@
             </a:r>
             <a:r>
               <a:rPr lang="zh-CN" altLang="en-US" dirty="0" smtClean="0"/>
-              <a:t>找到不同版本之间的变化，如果一个错误报告在文件中不变的地方，认为代表了一个错误。</a:t>
+              <a:t>找到不同版本之间的变化，如果一个错误报告在文件中不变的地方，认为代表</a:t>
+            </a:r>
+            <a:r>
+              <a:rPr lang="zh-CN" altLang="en-US" dirty="0" smtClean="0"/>
+              <a:t>了同一</a:t>
+            </a:r>
+            <a:r>
+              <a:rPr lang="zh-CN" altLang="en-US" dirty="0" smtClean="0"/>
+              <a:t>个错误。</a:t>
             </a:r>
             <a:endParaRPr lang="zh-CN" altLang="en-US" dirty="0"/>
           </a:p>
@@ -1531,20 +2316,11 @@
           <a:p>
             <a:r>
               <a:rPr lang="zh-CN" altLang="en-US" dirty="0" smtClean="0"/>
-              <a:t>这些形式的规范用于不同的目的，也不能取代另一个。 </a:t>
-            </a:r>
-            <a:r>
-              <a:rPr lang="en-US" altLang="zh-CN" dirty="0" smtClean="0"/>
-              <a:t>Litmus</a:t>
-            </a:r>
-            <a:r>
-              <a:rPr lang="zh-CN" altLang="en-US" dirty="0" smtClean="0"/>
-              <a:t>测试提供了一个精确而直观的描述，非常适合与应用程序开发人员进行通信，以及针对文件系统实现验证正式模型。</a:t>
-            </a:r>
-            <a:r>
-              <a:rPr lang="zh-CN" altLang="en-US" dirty="0" smtClean="0"/>
-              <a:t>正式规范提供了（不）允许的崩溃行为的完整描述，因此，为应用程序的崩溃保证提供了自动推理的基础。</a:t>
-            </a:r>
+              <a:t>我这个文件夹的错误率除以所有其他文件夹的错误率</a:t>
+            </a:r>
+            <a:endParaRPr lang="en-US" altLang="zh-CN" dirty="0" smtClean="0"/>
+          </a:p>
+          <a:p>
             <a:endParaRPr lang="zh-CN" altLang="en-US" dirty="0"/>
           </a:p>
         </p:txBody>
@@ -1566,7 +2342,7 @@
           <a:p>
             <a:fld id="{C432B939-5028-43FF-946C-4FAEFABB0219}" type="slidenum">
               <a:rPr lang="zh-CN" altLang="en-US" smtClean="0"/>
-              <a:t>19</a:t>
+              <a:t>9</a:t>
             </a:fld>
             <a:endParaRPr lang="zh-CN" altLang="en-US"/>
           </a:p>
@@ -1575,7 +2351,7 @@
     </p:spTree>
     <p:extLst>
       <p:ext uri="{BB962C8B-B14F-4D97-AF65-F5344CB8AC3E}">
-        <p14:creationId xmlns:p14="http://schemas.microsoft.com/office/powerpoint/2010/main" val="452228133"/>
+        <p14:creationId xmlns:p14="http://schemas.microsoft.com/office/powerpoint/2010/main" val="3469903248"/>
       </p:ext>
     </p:extLst>
   </p:cSld>
@@ -1629,6 +2405,40 @@
           <a:bodyPr/>
           <a:lstStyle/>
           <a:p>
+            <a:r>
+              <a:rPr lang="zh-CN" altLang="en-US" dirty="0" smtClean="0"/>
+              <a:t>黑色代表文件不存在</a:t>
+            </a:r>
+            <a:endParaRPr lang="en-US" altLang="zh-CN" dirty="0" smtClean="0"/>
+          </a:p>
+          <a:p>
+            <a:r>
+              <a:rPr lang="zh-CN" altLang="en-US" dirty="0" smtClean="0"/>
+              <a:t>白色代表文件存在但是</a:t>
+            </a:r>
+            <a:r>
+              <a:rPr lang="en-US" altLang="zh-CN" dirty="0" smtClean="0"/>
+              <a:t>bug</a:t>
+            </a:r>
+            <a:r>
+              <a:rPr lang="zh-CN" altLang="en-US" dirty="0" smtClean="0"/>
+              <a:t>不在了</a:t>
+            </a:r>
+            <a:endParaRPr lang="en-US" altLang="zh-CN" dirty="0" smtClean="0"/>
+          </a:p>
+          <a:p>
+            <a:r>
+              <a:rPr lang="zh-CN" altLang="en-US" dirty="0" smtClean="0"/>
+              <a:t>蓝色代表</a:t>
+            </a:r>
+            <a:r>
+              <a:rPr lang="en-US" altLang="zh-CN" dirty="0" smtClean="0"/>
+              <a:t>bug</a:t>
+            </a:r>
+            <a:r>
+              <a:rPr lang="zh-CN" altLang="en-US" dirty="0" smtClean="0"/>
+              <a:t>存在</a:t>
+            </a:r>
             <a:endParaRPr lang="zh-CN" altLang="en-US" dirty="0"/>
           </a:p>
         </p:txBody>
@@ -1650,7 +2460,7 @@
           <a:p>
             <a:fld id="{C432B939-5028-43FF-946C-4FAEFABB0219}" type="slidenum">
               <a:rPr lang="zh-CN" altLang="en-US" smtClean="0"/>
-              <a:t>20</a:t>
+              <a:t>12</a:t>
             </a:fld>
             <a:endParaRPr lang="zh-CN" altLang="en-US"/>
           </a:p>
@@ -1659,7 +2469,7 @@
     </p:spTree>
     <p:extLst>
       <p:ext uri="{BB962C8B-B14F-4D97-AF65-F5344CB8AC3E}">
-        <p14:creationId xmlns:p14="http://schemas.microsoft.com/office/powerpoint/2010/main" val="3094816611"/>
+        <p14:creationId xmlns:p14="http://schemas.microsoft.com/office/powerpoint/2010/main" val="2159581371"/>
       </p:ext>
     </p:extLst>
   </p:cSld>
@@ -1713,6 +2523,10 @@
           <a:bodyPr/>
           <a:lstStyle/>
           <a:p>
+            <a:r>
+              <a:rPr lang="zh-CN" altLang="en-US" dirty="0" smtClean="0"/>
+              <a:t>代码质量评估，高频率代码改动往往有更多错误</a:t>
+            </a:r>
             <a:endParaRPr lang="zh-CN" altLang="en-US" dirty="0"/>
           </a:p>
         </p:txBody>
@@ -1734,7 +2548,7 @@
           <a:p>
             <a:fld id="{C432B939-5028-43FF-946C-4FAEFABB0219}" type="slidenum">
               <a:rPr lang="zh-CN" altLang="en-US" smtClean="0"/>
-              <a:t>23</a:t>
+              <a:t>13</a:t>
             </a:fld>
             <a:endParaRPr lang="zh-CN" altLang="en-US"/>
           </a:p>
@@ -1743,7 +2557,7 @@
     </p:spTree>
     <p:extLst>
       <p:ext uri="{BB962C8B-B14F-4D97-AF65-F5344CB8AC3E}">
-        <p14:creationId xmlns:p14="http://schemas.microsoft.com/office/powerpoint/2010/main" val="3643953711"/>
+        <p14:creationId xmlns:p14="http://schemas.microsoft.com/office/powerpoint/2010/main" val="3585207801"/>
       </p:ext>
     </p:extLst>
   </p:cSld>
@@ -1799,7 +2613,15 @@
           <a:p>
             <a:r>
               <a:rPr lang="zh-CN" altLang="en-US" dirty="0" smtClean="0"/>
-              <a:t>只有这三种是合法的，其他的是这三种的前缀排列，都表明系统崩了。</a:t>
+              <a:t>这些形式的规范用于不同的目的，也不能取代另一个。 </a:t>
+            </a:r>
+            <a:r>
+              <a:rPr lang="en-US" altLang="zh-CN" dirty="0" smtClean="0"/>
+              <a:t>Litmus</a:t>
+            </a:r>
+            <a:r>
+              <a:rPr lang="zh-CN" altLang="en-US" dirty="0" smtClean="0"/>
+              <a:t>测试提供了一个精确而直观的描述，非常适合与应用程序开发人员进行通信，以及针对文件系统实现验证正式模型。正式规范提供了（不）允许的崩溃行为的完整描述，因此，为应用程序的崩溃保证提供了自动推理的基础。</a:t>
             </a:r>
             <a:endParaRPr lang="zh-CN" altLang="en-US" dirty="0"/>
           </a:p>
@@ -1822,7 +2644,7 @@
           <a:p>
             <a:fld id="{C432B939-5028-43FF-946C-4FAEFABB0219}" type="slidenum">
               <a:rPr lang="zh-CN" altLang="en-US" smtClean="0"/>
-              <a:t>25</a:t>
+              <a:t>18</a:t>
             </a:fld>
             <a:endParaRPr lang="zh-CN" altLang="en-US"/>
           </a:p>
@@ -1831,7 +2653,7 @@
     </p:spTree>
     <p:extLst>
       <p:ext uri="{BB962C8B-B14F-4D97-AF65-F5344CB8AC3E}">
-        <p14:creationId xmlns:p14="http://schemas.microsoft.com/office/powerpoint/2010/main" val="4008365524"/>
+        <p14:creationId xmlns:p14="http://schemas.microsoft.com/office/powerpoint/2010/main" val="452228133"/>
       </p:ext>
     </p:extLst>
   </p:cSld>
@@ -1972,7 +2794,7 @@
           <a:p>
             <a:fld id="{0C115A87-0A1F-4A3B-AD8F-30EA9C8EA2F4}" type="datetimeFigureOut">
               <a:rPr lang="zh-CN" altLang="en-US" smtClean="0"/>
-              <a:t>2019/6/10</a:t>
+              <a:t>2019/6/23</a:t>
             </a:fld>
             <a:endParaRPr lang="zh-CN" altLang="en-US"/>
           </a:p>
@@ -2142,7 +2964,7 @@
           <a:p>
             <a:fld id="{0C115A87-0A1F-4A3B-AD8F-30EA9C8EA2F4}" type="datetimeFigureOut">
               <a:rPr lang="zh-CN" altLang="en-US" smtClean="0"/>
-              <a:t>2019/6/10</a:t>
+              <a:t>2019/6/23</a:t>
             </a:fld>
             <a:endParaRPr lang="zh-CN" altLang="en-US"/>
           </a:p>
@@ -2322,7 +3144,7 @@
           <a:p>
             <a:fld id="{0C115A87-0A1F-4A3B-AD8F-30EA9C8EA2F4}" type="datetimeFigureOut">
               <a:rPr lang="zh-CN" altLang="en-US" smtClean="0"/>
-              <a:t>2019/6/10</a:t>
+              <a:t>2019/6/23</a:t>
             </a:fld>
             <a:endParaRPr lang="zh-CN" altLang="en-US"/>
           </a:p>
@@ -2492,7 +3314,7 @@
           <a:p>
             <a:fld id="{0C115A87-0A1F-4A3B-AD8F-30EA9C8EA2F4}" type="datetimeFigureOut">
               <a:rPr lang="zh-CN" altLang="en-US" smtClean="0"/>
-              <a:t>2019/6/10</a:t>
+              <a:t>2019/6/23</a:t>
             </a:fld>
             <a:endParaRPr lang="zh-CN" altLang="en-US"/>
           </a:p>
@@ -2738,7 +3560,7 @@
           <a:p>
             <a:fld id="{0C115A87-0A1F-4A3B-AD8F-30EA9C8EA2F4}" type="datetimeFigureOut">
               <a:rPr lang="zh-CN" altLang="en-US" smtClean="0"/>
-              <a:t>2019/6/10</a:t>
+              <a:t>2019/6/23</a:t>
             </a:fld>
             <a:endParaRPr lang="zh-CN" altLang="en-US"/>
           </a:p>
@@ -2970,7 +3792,7 @@
           <a:p>
             <a:fld id="{0C115A87-0A1F-4A3B-AD8F-30EA9C8EA2F4}" type="datetimeFigureOut">
               <a:rPr lang="zh-CN" altLang="en-US" smtClean="0"/>
-              <a:t>2019/6/10</a:t>
+              <a:t>2019/6/23</a:t>
             </a:fld>
             <a:endParaRPr lang="zh-CN" altLang="en-US"/>
           </a:p>
@@ -3337,7 +4159,7 @@
           <a:p>
             <a:fld id="{0C115A87-0A1F-4A3B-AD8F-30EA9C8EA2F4}" type="datetimeFigureOut">
               <a:rPr lang="zh-CN" altLang="en-US" smtClean="0"/>
-              <a:t>2019/6/10</a:t>
+              <a:t>2019/6/23</a:t>
             </a:fld>
             <a:endParaRPr lang="zh-CN" altLang="en-US"/>
           </a:p>
@@ -3455,7 +4277,7 @@
           <a:p>
             <a:fld id="{0C115A87-0A1F-4A3B-AD8F-30EA9C8EA2F4}" type="datetimeFigureOut">
               <a:rPr lang="zh-CN" altLang="en-US" smtClean="0"/>
-              <a:t>2019/6/10</a:t>
+              <a:t>2019/6/23</a:t>
             </a:fld>
             <a:endParaRPr lang="zh-CN" altLang="en-US"/>
           </a:p>
@@ -3550,7 +4372,7 @@
           <a:p>
             <a:fld id="{0C115A87-0A1F-4A3B-AD8F-30EA9C8EA2F4}" type="datetimeFigureOut">
               <a:rPr lang="zh-CN" altLang="en-US" smtClean="0"/>
-              <a:t>2019/6/10</a:t>
+              <a:t>2019/6/23</a:t>
             </a:fld>
             <a:endParaRPr lang="zh-CN" altLang="en-US"/>
           </a:p>
@@ -3827,7 +4649,7 @@
           <a:p>
             <a:fld id="{0C115A87-0A1F-4A3B-AD8F-30EA9C8EA2F4}" type="datetimeFigureOut">
               <a:rPr lang="zh-CN" altLang="en-US" smtClean="0"/>
-              <a:t>2019/6/10</a:t>
+              <a:t>2019/6/23</a:t>
             </a:fld>
             <a:endParaRPr lang="zh-CN" altLang="en-US"/>
           </a:p>
@@ -4080,7 +4902,7 @@
           <a:p>
             <a:fld id="{0C115A87-0A1F-4A3B-AD8F-30EA9C8EA2F4}" type="datetimeFigureOut">
               <a:rPr lang="zh-CN" altLang="en-US" smtClean="0"/>
-              <a:t>2019/6/10</a:t>
+              <a:t>2019/6/23</a:t>
             </a:fld>
             <a:endParaRPr lang="zh-CN" altLang="en-US"/>
           </a:p>
@@ -4293,7 +5115,7 @@
           <a:p>
             <a:fld id="{0C115A87-0A1F-4A3B-AD8F-30EA9C8EA2F4}" type="datetimeFigureOut">
               <a:rPr lang="zh-CN" altLang="en-US" smtClean="0"/>
-              <a:t>2019/6/10</a:t>
+              <a:t>2019/6/23</a:t>
             </a:fld>
             <a:endParaRPr lang="zh-CN" altLang="en-US"/>
           </a:p>
@@ -4760,6 +5582,13 @@
   <p:clrMapOvr>
     <a:masterClrMapping/>
   </p:clrMapOvr>
+  <p:timing>
+    <p:tnLst>
+      <p:par>
+        <p:cTn id="1" dur="indefinite" restart="never" nodeType="tmRoot"/>
+      </p:par>
+    </p:tnLst>
+  </p:timing>
 </p:sld>
 </file>
 
@@ -5557,7 +6386,7 @@
           <p:nvPr/>
         </p:nvPicPr>
         <p:blipFill>
-          <a:blip r:embed="rId2"/>
+          <a:blip r:embed="rId3"/>
           <a:stretch>
             <a:fillRect/>
           </a:stretch>
@@ -5581,7 +6410,7 @@
           <p:nvPr/>
         </p:nvPicPr>
         <p:blipFill>
-          <a:blip r:embed="rId3"/>
+          <a:blip r:embed="rId4"/>
           <a:stretch>
             <a:fillRect/>
           </a:stretch>
@@ -5642,7 +6471,7 @@
           <p:nvPr/>
         </p:nvPicPr>
         <p:blipFill>
-          <a:blip r:embed="rId2"/>
+          <a:blip r:embed="rId3"/>
           <a:stretch>
             <a:fillRect/>
           </a:stretch>
@@ -5738,7 +6567,7 @@
           <p:nvPr/>
         </p:nvPicPr>
         <p:blipFill rotWithShape="1">
-          <a:blip r:embed="rId3"/>
+          <a:blip r:embed="rId4"/>
           <a:srcRect b="13995"/>
           <a:stretch/>
         </p:blipFill>
@@ -5761,7 +6590,7 @@
           <p:nvPr/>
         </p:nvPicPr>
         <p:blipFill>
-          <a:blip r:embed="rId4"/>
+          <a:blip r:embed="rId5"/>
           <a:stretch>
             <a:fillRect/>
           </a:stretch>
@@ -6259,7 +7088,7 @@
           <a:p>
             <a:r>
               <a:rPr lang="en-US" altLang="zh-CN" dirty="0" smtClean="0"/>
-              <a:t>Experience—Linux 2.6 kernel</a:t>
+              <a:t>Conclusion</a:t>
             </a:r>
             <a:endParaRPr lang="zh-CN" altLang="en-US" dirty="0"/>
           </a:p>
@@ -6287,87 +7116,72 @@
             </a:pPr>
             <a:r>
               <a:rPr lang="en-US" altLang="zh-CN" dirty="0" smtClean="0"/>
-              <a:t>RCU is a lightweight synchronization mechanism that protects readers against writers.</a:t>
-            </a:r>
-          </a:p>
-          <a:p>
-            <a:r>
-              <a:rPr lang="en-US" altLang="zh-CN" dirty="0" smtClean="0"/>
-              <a:t>Most </a:t>
+              <a:t>While drivers </a:t>
             </a:r>
             <a:r>
               <a:rPr lang="en-US" altLang="zh-CN" dirty="0"/>
-              <a:t>faults are found in </a:t>
-            </a:r>
-            <a:r>
-              <a:rPr lang="en-US" altLang="zh-CN" dirty="0" smtClean="0"/>
-              <a:t>net.</a:t>
-            </a:r>
-          </a:p>
-          <a:p>
-            <a:r>
-              <a:rPr lang="en-US" altLang="zh-CN" dirty="0" smtClean="0"/>
-              <a:t>Most </a:t>
+              <a:t>still has the largest number of </a:t>
+            </a:r>
+            <a:r>
+              <a:rPr lang="en-US" altLang="zh-CN" dirty="0" smtClean="0"/>
+              <a:t>faults, it no </a:t>
             </a:r>
             <a:r>
               <a:rPr lang="en-US" altLang="zh-CN" dirty="0"/>
-              <a:t>of the faults are </a:t>
-            </a:r>
-            <a:r>
-              <a:rPr lang="en-US" altLang="zh-CN" dirty="0" err="1"/>
-              <a:t>BlockRCU</a:t>
+              <a:t>longer has the highest fault rate in Linux kernel </a:t>
+            </a:r>
+            <a:r>
+              <a:rPr lang="en-US" altLang="zh-CN" dirty="0" smtClean="0"/>
+              <a:t>code.</a:t>
+            </a:r>
+          </a:p>
+          <a:p>
+            <a:pPr>
+              <a:lnSpc>
+                <a:spcPct val="100000"/>
+              </a:lnSpc>
+            </a:pPr>
+            <a:r>
+              <a:rPr lang="en-US" altLang="zh-CN" dirty="0" smtClean="0"/>
+              <a:t>Even </a:t>
             </a:r>
             <a:r>
               <a:rPr lang="en-US" altLang="zh-CN" dirty="0"/>
-              <a:t> </a:t>
-            </a:r>
-            <a:endParaRPr lang="en-US" altLang="zh-CN" dirty="0" smtClean="0"/>
-          </a:p>
-          <a:p>
-            <a:r>
-              <a:rPr lang="en-US" altLang="zh-CN" dirty="0" smtClean="0"/>
-              <a:t>(</a:t>
+              <a:t>though faults are continually being introduced, the </a:t>
+            </a:r>
+            <a:r>
+              <a:rPr lang="en-US" altLang="zh-CN" dirty="0" smtClean="0"/>
+              <a:t>overall code </a:t>
             </a:r>
             <a:r>
               <a:rPr lang="en-US" altLang="zh-CN" dirty="0"/>
-              <a:t>a RCU lock is held</a:t>
-            </a:r>
-            <a:r>
-              <a:rPr lang="en-US" altLang="zh-CN" dirty="0" smtClean="0"/>
-              <a:t>)</a:t>
-            </a:r>
+              <a:t>quality is improving</a:t>
+            </a:r>
+            <a:r>
+              <a:rPr lang="en-US" altLang="zh-CN" dirty="0" smtClean="0"/>
+              <a:t>.</a:t>
+            </a:r>
+          </a:p>
+          <a:p>
+            <a:pPr>
+              <a:lnSpc>
+                <a:spcPct val="100000"/>
+              </a:lnSpc>
+            </a:pPr>
+            <a:r>
+              <a:rPr lang="en-US" altLang="zh-CN" dirty="0" smtClean="0"/>
+              <a:t>Some services have no maintainer but remain in the kernel source tree.</a:t>
+            </a:r>
+          </a:p>
+          <a:p>
             <a:endParaRPr lang="zh-CN" altLang="en-US" dirty="0"/>
           </a:p>
         </p:txBody>
       </p:sp>
-      <p:pic>
-        <p:nvPicPr>
-          <p:cNvPr id="5" name="图片 4"/>
-          <p:cNvPicPr>
-            <a:picLocks noChangeAspect="1"/>
-          </p:cNvPicPr>
-          <p:nvPr/>
-        </p:nvPicPr>
-        <p:blipFill>
-          <a:blip r:embed="rId2"/>
-          <a:stretch>
-            <a:fillRect/>
-          </a:stretch>
-        </p:blipFill>
-        <p:spPr>
-          <a:xfrm>
-            <a:off x="6392000" y="2505619"/>
-            <a:ext cx="5800000" cy="4352381"/>
-          </a:xfrm>
-          <a:prstGeom prst="rect">
-            <a:avLst/>
-          </a:prstGeom>
-        </p:spPr>
-      </p:pic>
     </p:spTree>
     <p:extLst>
       <p:ext uri="{BB962C8B-B14F-4D97-AF65-F5344CB8AC3E}">
-        <p14:creationId xmlns:p14="http://schemas.microsoft.com/office/powerpoint/2010/main" val="232648121"/>
+        <p14:creationId xmlns:p14="http://schemas.microsoft.com/office/powerpoint/2010/main" val="2173552849"/>
       </p:ext>
     </p:extLst>
   </p:cSld>
@@ -6403,12 +7217,57 @@
       </p:grpSpPr>
       <p:sp>
         <p:nvSpPr>
-          <p:cNvPr id="2" name="标题 1"/>
-          <p:cNvSpPr>
-            <a:spLocks noGrp="1"/>
-          </p:cNvSpPr>
-          <p:nvPr>
-            <p:ph type="title"/>
+          <p:cNvPr id="4" name="标题 3"/>
+          <p:cNvSpPr>
+            <a:spLocks noGrp="1"/>
+          </p:cNvSpPr>
+          <p:nvPr>
+            <p:ph type="ctrTitle"/>
+          </p:nvPr>
+        </p:nvSpPr>
+        <p:spPr>
+          <a:xfrm>
+            <a:off x="432954" y="1053090"/>
+            <a:ext cx="11326091" cy="2387600"/>
+          </a:xfrm>
+        </p:spPr>
+        <p:txBody>
+          <a:bodyPr>
+            <a:normAutofit fontScale="90000"/>
+          </a:bodyPr>
+          <a:lstStyle/>
+          <a:p>
+            <a:r>
+              <a:rPr lang="en-US" altLang="zh-CN" dirty="0"/>
+              <a:t>Specifying and Checking File System </a:t>
+            </a:r>
+            <a:r>
+              <a:rPr lang="en-US" altLang="zh-CN" dirty="0" smtClean="0"/>
+              <a:t/>
+            </a:r>
+            <a:br>
+              <a:rPr lang="en-US" altLang="zh-CN" dirty="0" smtClean="0"/>
+            </a:br>
+            <a:r>
+              <a:rPr lang="en-US" altLang="zh-CN" dirty="0" smtClean="0"/>
+              <a:t>Crash-Consistency </a:t>
+            </a:r>
+            <a:r>
+              <a:rPr lang="en-US" altLang="zh-CN" dirty="0"/>
+              <a:t>Models</a:t>
+            </a:r>
+            <a:endParaRPr lang="zh-CN" altLang="en-US" dirty="0"/>
+          </a:p>
+        </p:txBody>
+      </p:sp>
+      <p:sp>
+        <p:nvSpPr>
+          <p:cNvPr id="5" name="副标题 4"/>
+          <p:cNvSpPr>
+            <a:spLocks noGrp="1"/>
+          </p:cNvSpPr>
+          <p:nvPr>
+            <p:ph type="subTitle" idx="1"/>
           </p:nvPr>
         </p:nvSpPr>
         <p:spPr/>
@@ -6416,102 +7275,14 @@
           <a:bodyPr/>
           <a:lstStyle/>
           <a:p>
-            <a:r>
-              <a:rPr lang="en-US" altLang="zh-CN" dirty="0" smtClean="0"/>
-              <a:t>Conclusion</a:t>
-            </a:r>
-            <a:endParaRPr lang="zh-CN" altLang="en-US" dirty="0"/>
-          </a:p>
-        </p:txBody>
-      </p:sp>
-      <p:sp>
-        <p:nvSpPr>
-          <p:cNvPr id="3" name="内容占位符 2"/>
-          <p:cNvSpPr>
-            <a:spLocks noGrp="1"/>
-          </p:cNvSpPr>
-          <p:nvPr>
-            <p:ph idx="1"/>
-          </p:nvPr>
-        </p:nvSpPr>
-        <p:spPr/>
-        <p:txBody>
-          <a:bodyPr/>
-          <a:lstStyle/>
-          <a:p>
-            <a:pPr>
-              <a:lnSpc>
-                <a:spcPct val="100000"/>
-              </a:lnSpc>
-            </a:pPr>
-            <a:r>
-              <a:rPr lang="en-US" altLang="zh-CN" dirty="0" smtClean="0"/>
-              <a:t>While drivers </a:t>
-            </a:r>
-            <a:r>
-              <a:rPr lang="en-US" altLang="zh-CN" dirty="0"/>
-              <a:t>still has the largest number of </a:t>
-            </a:r>
-            <a:r>
-              <a:rPr lang="en-US" altLang="zh-CN" dirty="0" smtClean="0"/>
-              <a:t>faults, it no </a:t>
-            </a:r>
-            <a:r>
-              <a:rPr lang="en-US" altLang="zh-CN" dirty="0"/>
-              <a:t>longer has the highest fault rate in Linux kernel </a:t>
-            </a:r>
-            <a:r>
-              <a:rPr lang="en-US" altLang="zh-CN" dirty="0" smtClean="0"/>
-              <a:t>code.</a:t>
-            </a:r>
-          </a:p>
-          <a:p>
-            <a:pPr>
-              <a:lnSpc>
-                <a:spcPct val="100000"/>
-              </a:lnSpc>
-            </a:pPr>
-            <a:r>
-              <a:rPr lang="en-US" altLang="zh-CN" dirty="0" smtClean="0"/>
-              <a:t>Even </a:t>
-            </a:r>
-            <a:r>
-              <a:rPr lang="en-US" altLang="zh-CN" dirty="0"/>
-              <a:t>though faults are continually being introduced, the </a:t>
-            </a:r>
-            <a:r>
-              <a:rPr lang="en-US" altLang="zh-CN" dirty="0" smtClean="0"/>
-              <a:t>overall code </a:t>
-            </a:r>
-            <a:r>
-              <a:rPr lang="en-US" altLang="zh-CN" dirty="0"/>
-              <a:t>quality is improving</a:t>
-            </a:r>
-            <a:r>
-              <a:rPr lang="en-US" altLang="zh-CN" dirty="0" smtClean="0"/>
-              <a:t>.</a:t>
-            </a:r>
-          </a:p>
-          <a:p>
-            <a:pPr>
-              <a:lnSpc>
-                <a:spcPct val="100000"/>
-              </a:lnSpc>
-            </a:pPr>
-            <a:r>
-              <a:rPr lang="en-US" altLang="zh-CN" dirty="0" smtClean="0"/>
-              <a:t>Some services have no maintainer but remain in the kernel source tree.</a:t>
-            </a:r>
-          </a:p>
-          <a:p>
-            <a:endParaRPr lang="zh-CN" altLang="en-US" dirty="0"/>
+            <a:endParaRPr lang="zh-CN" altLang="en-US"/>
           </a:p>
         </p:txBody>
       </p:sp>
     </p:spTree>
     <p:extLst>
       <p:ext uri="{BB962C8B-B14F-4D97-AF65-F5344CB8AC3E}">
-        <p14:creationId xmlns:p14="http://schemas.microsoft.com/office/powerpoint/2010/main" val="2173552849"/>
+        <p14:creationId xmlns:p14="http://schemas.microsoft.com/office/powerpoint/2010/main" val="729425274"/>
       </p:ext>
     </p:extLst>
   </p:cSld>
@@ -6547,107 +7318,6 @@
       </p:grpSpPr>
       <p:sp>
         <p:nvSpPr>
-          <p:cNvPr id="4" name="标题 3"/>
-          <p:cNvSpPr>
-            <a:spLocks noGrp="1"/>
-          </p:cNvSpPr>
-          <p:nvPr>
-            <p:ph type="ctrTitle"/>
-          </p:nvPr>
-        </p:nvSpPr>
-        <p:spPr>
-          <a:xfrm>
-            <a:off x="432954" y="1053090"/>
-            <a:ext cx="11326091" cy="2387600"/>
-          </a:xfrm>
-        </p:spPr>
-        <p:txBody>
-          <a:bodyPr>
-            <a:normAutofit fontScale="90000"/>
-          </a:bodyPr>
-          <a:lstStyle/>
-          <a:p>
-            <a:r>
-              <a:rPr lang="en-US" altLang="zh-CN" dirty="0"/>
-              <a:t>Specifying and Checking File System </a:t>
-            </a:r>
-            <a:r>
-              <a:rPr lang="en-US" altLang="zh-CN" dirty="0" smtClean="0"/>
-              <a:t/>
-            </a:r>
-            <a:br>
-              <a:rPr lang="en-US" altLang="zh-CN" dirty="0" smtClean="0"/>
-            </a:br>
-            <a:r>
-              <a:rPr lang="en-US" altLang="zh-CN" dirty="0" smtClean="0"/>
-              <a:t>Crash-Consistency </a:t>
-            </a:r>
-            <a:r>
-              <a:rPr lang="en-US" altLang="zh-CN" dirty="0"/>
-              <a:t>Models</a:t>
-            </a:r>
-            <a:endParaRPr lang="zh-CN" altLang="en-US" dirty="0"/>
-          </a:p>
-        </p:txBody>
-      </p:sp>
-      <p:sp>
-        <p:nvSpPr>
-          <p:cNvPr id="5" name="副标题 4"/>
-          <p:cNvSpPr>
-            <a:spLocks noGrp="1"/>
-          </p:cNvSpPr>
-          <p:nvPr>
-            <p:ph type="subTitle" idx="1"/>
-          </p:nvPr>
-        </p:nvSpPr>
-        <p:spPr/>
-        <p:txBody>
-          <a:bodyPr/>
-          <a:lstStyle/>
-          <a:p>
-            <a:endParaRPr lang="zh-CN" altLang="en-US"/>
-          </a:p>
-        </p:txBody>
-      </p:sp>
-    </p:spTree>
-    <p:extLst>
-      <p:ext uri="{BB962C8B-B14F-4D97-AF65-F5344CB8AC3E}">
-        <p14:creationId xmlns:p14="http://schemas.microsoft.com/office/powerpoint/2010/main" val="729425274"/>
-      </p:ext>
-    </p:extLst>
-  </p:cSld>
-  <p:clrMapOvr>
-    <a:masterClrMapping/>
-  </p:clrMapOvr>
-  <p:timing>
-    <p:tnLst>
-      <p:par>
-        <p:cTn id="1" dur="indefinite" restart="never" nodeType="tmRoot"/>
-      </p:par>
-    </p:tnLst>
-  </p:timing>
-</p:sld>
-</file>
-
-<file path=ppt/slides/slide17.xml><?xml version="1.0" encoding="utf-8"?>
-<p:sld xmlns:a="http://schemas.openxmlformats.org/drawingml/2006/main" xmlns:r="http://schemas.openxmlformats.org/officeDocument/2006/relationships" xmlns:p="http://schemas.openxmlformats.org/presentationml/2006/main">
-  <p:cSld>
-    <p:spTree>
-      <p:nvGrpSpPr>
-        <p:cNvPr id="1" name=""/>
-        <p:cNvGrpSpPr/>
-        <p:nvPr/>
-      </p:nvGrpSpPr>
-      <p:grpSpPr>
-        <a:xfrm>
-          <a:off x="0" y="0"/>
-          <a:ext cx="0" cy="0"/>
-          <a:chOff x="0" y="0"/>
-          <a:chExt cx="0" cy="0"/>
-        </a:xfrm>
-      </p:grpSpPr>
-      <p:sp>
-        <p:nvSpPr>
           <p:cNvPr id="2" name="标题 1"/>
           <p:cNvSpPr>
             <a:spLocks noGrp="1"/>
@@ -6718,7 +7388,15 @@
             </a:r>
             <a:r>
               <a:rPr lang="en-US" altLang="zh-CN" dirty="0" smtClean="0"/>
-              <a:t> model to describe the behavior of a file system across crashes.</a:t>
+              <a:t> </a:t>
+            </a:r>
+            <a:r>
+              <a:rPr lang="en-US" altLang="zh-CN" b="1" i="1" dirty="0"/>
+              <a:t>model</a:t>
+            </a:r>
+            <a:r>
+              <a:rPr lang="en-US" altLang="zh-CN" dirty="0" smtClean="0"/>
+              <a:t> to describe the behavior of a file system across crashes.</a:t>
             </a:r>
           </a:p>
           <a:p>
@@ -6778,7 +7456,7 @@
 </p:sld>
 </file>
 
-<file path=ppt/slides/slide18.xml><?xml version="1.0" encoding="utf-8"?>
+<file path=ppt/slides/slide17.xml><?xml version="1.0" encoding="utf-8"?>
 <p:sld xmlns:a="http://schemas.openxmlformats.org/drawingml/2006/main" xmlns:r="http://schemas.openxmlformats.org/officeDocument/2006/relationships" xmlns:p="http://schemas.openxmlformats.org/presentationml/2006/main">
   <p:cSld>
     <p:spTree>
@@ -6989,7 +7667,7 @@
 </p:sld>
 </file>
 
-<file path=ppt/slides/slide19.xml><?xml version="1.0" encoding="utf-8"?>
+<file path=ppt/slides/slide18.xml><?xml version="1.0" encoding="utf-8"?>
 <p:sld xmlns:a="http://schemas.openxmlformats.org/drawingml/2006/main" xmlns:r="http://schemas.openxmlformats.org/officeDocument/2006/relationships" xmlns:p="http://schemas.openxmlformats.org/presentationml/2006/main">
   <p:cSld>
     <p:spTree>
@@ -7066,8 +7744,12 @@
               </a:lnSpc>
             </a:pPr>
             <a:r>
-              <a:rPr lang="en-US" altLang="zh-CN" dirty="0" smtClean="0"/>
-              <a:t>Litmus tests: demonstrate behaviors across crashes</a:t>
+              <a:rPr lang="en-US" altLang="zh-CN" b="1" dirty="0" smtClean="0"/>
+              <a:t>Litmus tests</a:t>
+            </a:r>
+            <a:r>
+              <a:rPr lang="en-US" altLang="zh-CN" dirty="0" smtClean="0"/>
+              <a:t>: demonstrate behaviors across crashes</a:t>
             </a:r>
           </a:p>
           <a:p>
@@ -7077,8 +7759,12 @@
               </a:lnSpc>
             </a:pPr>
             <a:r>
-              <a:rPr lang="en-US" altLang="zh-CN" dirty="0" smtClean="0"/>
-              <a:t>Formal specification: axiomatic and operational description.</a:t>
+              <a:rPr lang="en-US" altLang="zh-CN" b="1" dirty="0" smtClean="0"/>
+              <a:t>Formal specification</a:t>
+            </a:r>
+            <a:r>
+              <a:rPr lang="en-US" altLang="zh-CN" dirty="0" smtClean="0"/>
+              <a:t>: axiomatic and operational description.</a:t>
             </a:r>
           </a:p>
           <a:p>
@@ -7159,7 +7845,7 @@
               <a:t>: insert </a:t>
             </a:r>
             <a:r>
-              <a:rPr lang="en-US" altLang="zh-CN" dirty="0" err="1" smtClean="0"/>
+              <a:rPr lang="en-US" altLang="zh-CN" i="1" dirty="0" err="1" smtClean="0"/>
               <a:t>fsync</a:t>
             </a:r>
             <a:r>
@@ -7198,196 +7884,7 @@
 </p:sld>
 </file>
 
-<file path=ppt/slides/slide2.xml><?xml version="1.0" encoding="utf-8"?>
-<p:sld xmlns:a="http://schemas.openxmlformats.org/drawingml/2006/main" xmlns:r="http://schemas.openxmlformats.org/officeDocument/2006/relationships" xmlns:p="http://schemas.openxmlformats.org/presentationml/2006/main">
-  <p:cSld>
-    <p:spTree>
-      <p:nvGrpSpPr>
-        <p:cNvPr id="1" name=""/>
-        <p:cNvGrpSpPr/>
-        <p:nvPr/>
-      </p:nvGrpSpPr>
-      <p:grpSpPr>
-        <a:xfrm>
-          <a:off x="0" y="0"/>
-          <a:ext cx="0" cy="0"/>
-          <a:chOff x="0" y="0"/>
-          <a:chExt cx="0" cy="0"/>
-        </a:xfrm>
-      </p:grpSpPr>
-      <p:sp>
-        <p:nvSpPr>
-          <p:cNvPr id="2" name="标题 1"/>
-          <p:cNvSpPr>
-            <a:spLocks noGrp="1"/>
-          </p:cNvSpPr>
-          <p:nvPr>
-            <p:ph type="title"/>
-          </p:nvPr>
-        </p:nvSpPr>
-        <p:spPr/>
-        <p:txBody>
-          <a:bodyPr/>
-          <a:lstStyle/>
-          <a:p>
-            <a:r>
-              <a:rPr lang="en-US" altLang="zh-CN" dirty="0" smtClean="0"/>
-              <a:t>Abstract</a:t>
-            </a:r>
-            <a:endParaRPr lang="zh-CN" altLang="en-US" dirty="0"/>
-          </a:p>
-        </p:txBody>
-      </p:sp>
-      <p:sp>
-        <p:nvSpPr>
-          <p:cNvPr id="3" name="内容占位符 2"/>
-          <p:cNvSpPr>
-            <a:spLocks noGrp="1"/>
-          </p:cNvSpPr>
-          <p:nvPr>
-            <p:ph idx="1"/>
-          </p:nvPr>
-        </p:nvSpPr>
-        <p:spPr/>
-        <p:txBody>
-          <a:bodyPr>
-            <a:normAutofit/>
-          </a:bodyPr>
-          <a:lstStyle/>
-          <a:p>
-            <a:pPr>
-              <a:lnSpc>
-                <a:spcPct val="100000"/>
-              </a:lnSpc>
-            </a:pPr>
-            <a:r>
-              <a:rPr lang="en-US" altLang="zh-CN" dirty="0" smtClean="0"/>
-              <a:t>Chou et al. published a study of faults found and they found that the drivers directory contained </a:t>
-            </a:r>
-            <a:r>
-              <a:rPr lang="en-US" altLang="zh-CN" b="1" dirty="0" smtClean="0"/>
-              <a:t>up to 7 times</a:t>
-            </a:r>
-            <a:r>
-              <a:rPr lang="en-US" altLang="zh-CN" dirty="0" smtClean="0"/>
-              <a:t> more of certain kinds of faults than other directories.</a:t>
-            </a:r>
-          </a:p>
-          <a:p>
-            <a:pPr>
-              <a:lnSpc>
-                <a:spcPct val="100000"/>
-              </a:lnSpc>
-            </a:pPr>
-            <a:r>
-              <a:rPr lang="en-US" altLang="zh-CN" dirty="0" smtClean="0"/>
-              <a:t>We </a:t>
-            </a:r>
-            <a:r>
-              <a:rPr lang="en-US" altLang="zh-CN" dirty="0"/>
-              <a:t>find that Linux has more than </a:t>
-            </a:r>
-            <a:r>
-              <a:rPr lang="en-US" altLang="zh-CN" dirty="0" smtClean="0"/>
-              <a:t>doubled in size, but </a:t>
-            </a:r>
-            <a:r>
-              <a:rPr lang="en-US" altLang="zh-CN" dirty="0"/>
-              <a:t>the number of faults per line </a:t>
-            </a:r>
-            <a:r>
-              <a:rPr lang="en-US" altLang="zh-CN" dirty="0" smtClean="0"/>
-              <a:t>of code </a:t>
-            </a:r>
-            <a:r>
-              <a:rPr lang="en-US" altLang="zh-CN" dirty="0"/>
-              <a:t>has been </a:t>
-            </a:r>
-            <a:r>
-              <a:rPr lang="en-US" altLang="zh-CN" b="1" dirty="0"/>
-              <a:t>decreasing</a:t>
-            </a:r>
-            <a:r>
-              <a:rPr lang="en-US" altLang="zh-CN" dirty="0"/>
-              <a:t>. </a:t>
-            </a:r>
-            <a:endParaRPr lang="en-US" altLang="zh-CN" dirty="0" smtClean="0"/>
-          </a:p>
-          <a:p>
-            <a:pPr>
-              <a:lnSpc>
-                <a:spcPct val="100000"/>
-              </a:lnSpc>
-            </a:pPr>
-            <a:r>
-              <a:rPr lang="en-US" altLang="zh-CN" dirty="0" smtClean="0"/>
-              <a:t>Drivers contains </a:t>
-            </a:r>
-            <a:r>
-              <a:rPr lang="en-US" altLang="zh-CN" dirty="0"/>
-              <a:t>the most faults, </a:t>
-            </a:r>
-            <a:r>
-              <a:rPr lang="en-US" altLang="zh-CN" dirty="0" smtClean="0"/>
-              <a:t>but its fault </a:t>
-            </a:r>
-            <a:r>
-              <a:rPr lang="en-US" altLang="zh-CN" dirty="0"/>
-              <a:t>rate is now </a:t>
-            </a:r>
-            <a:r>
-              <a:rPr lang="en-US" altLang="zh-CN" b="1" dirty="0"/>
-              <a:t>below</a:t>
-            </a:r>
-            <a:r>
-              <a:rPr lang="en-US" altLang="zh-CN" dirty="0"/>
-              <a:t> that of other directories, such as </a:t>
-            </a:r>
-            <a:r>
-              <a:rPr lang="en-US" altLang="zh-CN" b="1" dirty="0"/>
-              <a:t>arch</a:t>
-            </a:r>
-            <a:r>
-              <a:rPr lang="en-US" altLang="zh-CN" dirty="0"/>
-              <a:t> (HAL</a:t>
-            </a:r>
-            <a:r>
-              <a:rPr lang="en-US" altLang="zh-CN" dirty="0" smtClean="0"/>
-              <a:t>) and </a:t>
-            </a:r>
-            <a:r>
-              <a:rPr lang="en-US" altLang="zh-CN" b="1" dirty="0"/>
-              <a:t>fs</a:t>
-            </a:r>
-            <a:r>
-              <a:rPr lang="en-US" altLang="zh-CN" dirty="0"/>
-              <a:t> (file systems). </a:t>
-            </a:r>
-            <a:endParaRPr lang="en-US" altLang="zh-CN" dirty="0" smtClean="0"/>
-          </a:p>
-        </p:txBody>
-      </p:sp>
-    </p:spTree>
-    <p:extLst>
-      <p:ext uri="{BB962C8B-B14F-4D97-AF65-F5344CB8AC3E}">
-        <p14:creationId xmlns:p14="http://schemas.microsoft.com/office/powerpoint/2010/main" val="4191525638"/>
-      </p:ext>
-    </p:extLst>
-  </p:cSld>
-  <p:clrMapOvr>
-    <a:masterClrMapping/>
-  </p:clrMapOvr>
-  <p:timing>
-    <p:tnLst>
-      <p:par>
-        <p:cTn id="1" dur="indefinite" restart="never" nodeType="tmRoot"/>
-      </p:par>
-    </p:tnLst>
-  </p:timing>
-</p:sld>
-</file>
-
-<file path=ppt/slides/slide20.xml><?xml version="1.0" encoding="utf-8"?>
+<file path=ppt/slides/slide19.xml><?xml version="1.0" encoding="utf-8"?>
 <p:sld xmlns:a="http://schemas.openxmlformats.org/drawingml/2006/main" xmlns:r="http://schemas.openxmlformats.org/officeDocument/2006/relationships" xmlns:p="http://schemas.openxmlformats.org/presentationml/2006/main">
   <p:cSld>
     <p:spTree>
@@ -7534,7 +8031,7 @@
 </p:sld>
 </file>
 
-<file path=ppt/slides/slide21.xml><?xml version="1.0" encoding="utf-8"?>
+<file path=ppt/slides/slide2.xml><?xml version="1.0" encoding="utf-8"?>
 <p:sld xmlns:a="http://schemas.openxmlformats.org/drawingml/2006/main" xmlns:r="http://schemas.openxmlformats.org/officeDocument/2006/relationships" xmlns:p="http://schemas.openxmlformats.org/presentationml/2006/main">
   <p:cSld>
     <p:spTree>
@@ -7568,6 +8065,199 @@
           <a:p>
             <a:r>
               <a:rPr lang="en-US" altLang="zh-CN" dirty="0" smtClean="0"/>
+              <a:t>Abstract</a:t>
+            </a:r>
+            <a:endParaRPr lang="zh-CN" altLang="en-US" dirty="0"/>
+          </a:p>
+        </p:txBody>
+      </p:sp>
+      <p:sp>
+        <p:nvSpPr>
+          <p:cNvPr id="3" name="内容占位符 2"/>
+          <p:cNvSpPr>
+            <a:spLocks noGrp="1"/>
+          </p:cNvSpPr>
+          <p:nvPr>
+            <p:ph idx="1"/>
+          </p:nvPr>
+        </p:nvSpPr>
+        <p:spPr/>
+        <p:txBody>
+          <a:bodyPr>
+            <a:normAutofit/>
+          </a:bodyPr>
+          <a:lstStyle/>
+          <a:p>
+            <a:pPr>
+              <a:lnSpc>
+                <a:spcPct val="100000"/>
+              </a:lnSpc>
+            </a:pPr>
+            <a:r>
+              <a:rPr lang="en-US" altLang="zh-CN" dirty="0" smtClean="0"/>
+              <a:t>Chou et al. published a study of faults found and they found that the drivers directory contained </a:t>
+            </a:r>
+            <a:r>
+              <a:rPr lang="en-US" altLang="zh-CN" b="1" dirty="0" smtClean="0"/>
+              <a:t>up to 7 times</a:t>
+            </a:r>
+            <a:r>
+              <a:rPr lang="en-US" altLang="zh-CN" dirty="0" smtClean="0"/>
+              <a:t> more of certain kinds of faults than other directories.</a:t>
+            </a:r>
+          </a:p>
+          <a:p>
+            <a:pPr>
+              <a:lnSpc>
+                <a:spcPct val="100000"/>
+              </a:lnSpc>
+            </a:pPr>
+            <a:r>
+              <a:rPr lang="en-US" altLang="zh-CN" dirty="0" smtClean="0"/>
+              <a:t>We </a:t>
+            </a:r>
+            <a:r>
+              <a:rPr lang="en-US" altLang="zh-CN" dirty="0"/>
+              <a:t>find that Linux has more than </a:t>
+            </a:r>
+            <a:r>
+              <a:rPr lang="en-US" altLang="zh-CN" dirty="0" smtClean="0"/>
+              <a:t>doubled in size, but </a:t>
+            </a:r>
+            <a:r>
+              <a:rPr lang="en-US" altLang="zh-CN" dirty="0"/>
+              <a:t>the number of faults per line </a:t>
+            </a:r>
+            <a:r>
+              <a:rPr lang="en-US" altLang="zh-CN" dirty="0" smtClean="0"/>
+              <a:t>of code </a:t>
+            </a:r>
+            <a:r>
+              <a:rPr lang="en-US" altLang="zh-CN" dirty="0"/>
+              <a:t>has been </a:t>
+            </a:r>
+            <a:r>
+              <a:rPr lang="en-US" altLang="zh-CN" b="1" dirty="0"/>
+              <a:t>decreasing</a:t>
+            </a:r>
+            <a:r>
+              <a:rPr lang="en-US" altLang="zh-CN" dirty="0"/>
+              <a:t>. </a:t>
+            </a:r>
+            <a:endParaRPr lang="en-US" altLang="zh-CN" dirty="0" smtClean="0"/>
+          </a:p>
+          <a:p>
+            <a:pPr>
+              <a:lnSpc>
+                <a:spcPct val="100000"/>
+              </a:lnSpc>
+            </a:pPr>
+            <a:r>
+              <a:rPr lang="en-US" altLang="zh-CN" b="1" dirty="0" smtClean="0"/>
+              <a:t>Drivers</a:t>
+            </a:r>
+            <a:r>
+              <a:rPr lang="en-US" altLang="zh-CN" dirty="0" smtClean="0"/>
+              <a:t> contains </a:t>
+            </a:r>
+            <a:r>
+              <a:rPr lang="en-US" altLang="zh-CN" dirty="0"/>
+              <a:t>the most faults, </a:t>
+            </a:r>
+            <a:r>
+              <a:rPr lang="en-US" altLang="zh-CN" dirty="0" smtClean="0"/>
+              <a:t>but its fault </a:t>
+            </a:r>
+            <a:r>
+              <a:rPr lang="en-US" altLang="zh-CN" dirty="0"/>
+              <a:t>rate is now </a:t>
+            </a:r>
+            <a:r>
+              <a:rPr lang="en-US" altLang="zh-CN" b="1" dirty="0"/>
+              <a:t>below</a:t>
+            </a:r>
+            <a:r>
+              <a:rPr lang="en-US" altLang="zh-CN" dirty="0"/>
+              <a:t> that of other directories, such as </a:t>
+            </a:r>
+            <a:r>
+              <a:rPr lang="en-US" altLang="zh-CN" b="1" dirty="0"/>
+              <a:t>arch</a:t>
+            </a:r>
+            <a:r>
+              <a:rPr lang="en-US" altLang="zh-CN" dirty="0"/>
+              <a:t> (HAL</a:t>
+            </a:r>
+            <a:r>
+              <a:rPr lang="en-US" altLang="zh-CN" dirty="0" smtClean="0"/>
+              <a:t>) and </a:t>
+            </a:r>
+            <a:r>
+              <a:rPr lang="en-US" altLang="zh-CN" b="1" dirty="0"/>
+              <a:t>fs</a:t>
+            </a:r>
+            <a:r>
+              <a:rPr lang="en-US" altLang="zh-CN" dirty="0"/>
+              <a:t> (file systems). </a:t>
+            </a:r>
+            <a:endParaRPr lang="en-US" altLang="zh-CN" dirty="0" smtClean="0"/>
+          </a:p>
+        </p:txBody>
+      </p:sp>
+    </p:spTree>
+    <p:extLst>
+      <p:ext uri="{BB962C8B-B14F-4D97-AF65-F5344CB8AC3E}">
+        <p14:creationId xmlns:p14="http://schemas.microsoft.com/office/powerpoint/2010/main" val="4191525638"/>
+      </p:ext>
+    </p:extLst>
+  </p:cSld>
+  <p:clrMapOvr>
+    <a:masterClrMapping/>
+  </p:clrMapOvr>
+  <p:timing>
+    <p:tnLst>
+      <p:par>
+        <p:cTn id="1" dur="indefinite" restart="never" nodeType="tmRoot"/>
+      </p:par>
+    </p:tnLst>
+  </p:timing>
+</p:sld>
+</file>
+
+<file path=ppt/slides/slide20.xml><?xml version="1.0" encoding="utf-8"?>
+<p:sld xmlns:a="http://schemas.openxmlformats.org/drawingml/2006/main" xmlns:r="http://schemas.openxmlformats.org/officeDocument/2006/relationships" xmlns:p="http://schemas.openxmlformats.org/presentationml/2006/main">
+  <p:cSld>
+    <p:spTree>
+      <p:nvGrpSpPr>
+        <p:cNvPr id="1" name=""/>
+        <p:cNvGrpSpPr/>
+        <p:nvPr/>
+      </p:nvGrpSpPr>
+      <p:grpSpPr>
+        <a:xfrm>
+          <a:off x="0" y="0"/>
+          <a:ext cx="0" cy="0"/>
+          <a:chOff x="0" y="0"/>
+          <a:chExt cx="0" cy="0"/>
+        </a:xfrm>
+      </p:grpSpPr>
+      <p:sp>
+        <p:nvSpPr>
+          <p:cNvPr id="2" name="标题 1"/>
+          <p:cNvSpPr>
+            <a:spLocks noGrp="1"/>
+          </p:cNvSpPr>
+          <p:nvPr>
+            <p:ph type="title"/>
+          </p:nvPr>
+        </p:nvSpPr>
+        <p:spPr/>
+        <p:txBody>
+          <a:bodyPr/>
+          <a:lstStyle/>
+          <a:p>
+            <a:r>
+              <a:rPr lang="en-US" altLang="zh-CN" dirty="0" smtClean="0"/>
               <a:t>Litmus test</a:t>
             </a:r>
             <a:endParaRPr lang="zh-CN" altLang="en-US" dirty="0"/>
@@ -7608,7 +8298,7 @@
           <p:nvPr/>
         </p:nvPicPr>
         <p:blipFill>
-          <a:blip r:embed="rId2"/>
+          <a:blip r:embed="rId3"/>
           <a:stretch>
             <a:fillRect/>
           </a:stretch>
@@ -7771,7 +8461,7 @@
         <p:spPr>
           <a:xfrm>
             <a:off x="838200" y="4970176"/>
-            <a:ext cx="5318761" cy="1323439"/>
+            <a:ext cx="5318761" cy="400110"/>
           </a:xfrm>
           <a:prstGeom prst="rect">
             <a:avLst/>
@@ -7786,41 +8476,13 @@
           <a:p>
             <a:r>
               <a:rPr lang="en-US" altLang="zh-CN" sz="2000" dirty="0" smtClean="0"/>
-              <a:t>Final checking: a list of predicates to be tested.</a:t>
-            </a:r>
-          </a:p>
-          <a:p>
-            <a:r>
-              <a:rPr lang="en-US" altLang="zh-CN" sz="2000" i="1" dirty="0" smtClean="0"/>
-              <a:t>content </a:t>
+              <a:t>Final checking: a list of predicates to be tested</a:t>
             </a:r>
             <a:r>
               <a:rPr lang="en-US" altLang="zh-CN" sz="2000" dirty="0" smtClean="0"/>
-              <a:t>returns the file content.</a:t>
-            </a:r>
-          </a:p>
-          <a:p>
-            <a:r>
-              <a:rPr lang="en-US" altLang="zh-CN" sz="2000" i="1" dirty="0" smtClean="0"/>
-              <a:t>marked</a:t>
-            </a:r>
-            <a:r>
-              <a:rPr lang="en-US" altLang="zh-CN" sz="2000" dirty="0" smtClean="0"/>
-              <a:t> returns true </a:t>
-            </a:r>
-            <a:r>
-              <a:rPr lang="en-US" altLang="zh-CN" sz="2000" dirty="0" err="1" smtClean="0"/>
-              <a:t>iff</a:t>
-            </a:r>
-            <a:r>
-              <a:rPr lang="en-US" altLang="zh-CN" sz="2000" dirty="0"/>
-              <a:t> </a:t>
-            </a:r>
-            <a:r>
-              <a:rPr lang="en-US" altLang="zh-CN" sz="2000" dirty="0" smtClean="0"/>
-              <a:t>the program crashes after the given label.</a:t>
-            </a:r>
-            <a:endParaRPr lang="zh-CN" altLang="en-US" sz="2000" i="1" dirty="0"/>
+              <a:t>.</a:t>
+            </a:r>
+            <a:endParaRPr lang="en-US" altLang="zh-CN" sz="2000" dirty="0" smtClean="0"/>
           </a:p>
         </p:txBody>
       </p:sp>
@@ -7834,8 +8496,8 @@
         </p:nvCxnSpPr>
         <p:spPr>
           <a:xfrm flipV="1">
-            <a:off x="6156961" y="4911255"/>
-            <a:ext cx="717895" cy="720641"/>
+            <a:off x="6156961" y="4911256"/>
+            <a:ext cx="717895" cy="258975"/>
           </a:xfrm>
           <a:prstGeom prst="straightConnector1">
             <a:avLst/>
@@ -7879,7 +8541,7 @@
 </p:sld>
 </file>
 
-<file path=ppt/slides/slide22.xml><?xml version="1.0" encoding="utf-8"?>
+<file path=ppt/slides/slide21.xml><?xml version="1.0" encoding="utf-8"?>
 <p:sld xmlns:a="http://schemas.openxmlformats.org/drawingml/2006/main" xmlns:r="http://schemas.openxmlformats.org/officeDocument/2006/relationships" xmlns:p="http://schemas.openxmlformats.org/presentationml/2006/main">
   <p:cSld>
     <p:spTree>
@@ -8012,7 +8674,7 @@
               <p:nvPr/>
             </p:nvPicPr>
             <p:blipFill>
-              <a:blip r:embed="rId2"/>
+              <a:blip r:embed="rId3"/>
               <a:stretch>
                 <a:fillRect/>
               </a:stretch>
@@ -8036,7 +8698,7 @@
               <p:nvPr/>
             </p:nvPicPr>
             <p:blipFill>
-              <a:blip r:embed="rId3"/>
+              <a:blip r:embed="rId4"/>
               <a:stretch>
                 <a:fillRect/>
               </a:stretch>
@@ -8106,7 +8768,7 @@
             <p:nvPr/>
           </p:nvPicPr>
           <p:blipFill>
-            <a:blip r:embed="rId4"/>
+            <a:blip r:embed="rId5"/>
             <a:stretch>
               <a:fillRect/>
             </a:stretch>
@@ -8172,7 +8834,7 @@
 </p:sld>
 </file>
 
-<file path=ppt/slides/slide23.xml><?xml version="1.0" encoding="utf-8"?>
+<file path=ppt/slides/slide22.xml><?xml version="1.0" encoding="utf-8"?>
 <p:sld xmlns:a="http://schemas.openxmlformats.org/drawingml/2006/main" xmlns:r="http://schemas.openxmlformats.org/officeDocument/2006/relationships" xmlns:p="http://schemas.openxmlformats.org/presentationml/2006/main">
   <p:cSld>
     <p:spTree>
@@ -8500,7 +9162,7 @@
 </p:sld>
 </file>
 
-<file path=ppt/slides/slide24.xml><?xml version="1.0" encoding="utf-8"?>
+<file path=ppt/slides/slide23.xml><?xml version="1.0" encoding="utf-8"?>
 <p:sld xmlns:a="http://schemas.openxmlformats.org/drawingml/2006/main" xmlns:r="http://schemas.openxmlformats.org/officeDocument/2006/relationships" xmlns:p="http://schemas.openxmlformats.org/presentationml/2006/main">
   <p:cSld>
     <p:spTree>
@@ -8683,7 +9345,7 @@
 </p:sld>
 </file>
 
-<file path=ppt/slides/slide25.xml><?xml version="1.0" encoding="utf-8"?>
+<file path=ppt/slides/slide24.xml><?xml version="1.0" encoding="utf-8"?>
 <p:sld xmlns:a="http://schemas.openxmlformats.org/drawingml/2006/main" xmlns:r="http://schemas.openxmlformats.org/officeDocument/2006/relationships" xmlns:p="http://schemas.openxmlformats.org/presentationml/2006/main">
   <p:cSld>
     <p:spTree>
@@ -8721,11 +9383,7 @@
             </a:r>
             <a:r>
               <a:rPr lang="en-US" altLang="zh-CN" dirty="0" smtClean="0"/>
-              <a:t>specifications—</a:t>
-            </a:r>
-            <a:r>
-              <a:rPr lang="en-US" altLang="zh-CN" dirty="0"/>
-              <a:t>Axiomatic</a:t>
+              <a:t>specifications — Axiomatic</a:t>
             </a:r>
             <a:endParaRPr lang="zh-CN" altLang="en-US" dirty="0"/>
           </a:p>
@@ -8807,8 +9465,8 @@
           </a:prstGeom>
         </p:spPr>
       </p:pic>
-      <mc:AlternateContent xmlns:mc="http://schemas.openxmlformats.org/markup-compatibility/2006">
-        <mc:Choice xmlns:a14="http://schemas.microsoft.com/office/drawing/2010/main" Requires="a14">
+      <mc:AlternateContent xmlns:mc="http://schemas.openxmlformats.org/markup-compatibility/2006" xmlns:a14="http://schemas.microsoft.com/office/drawing/2010/main">
+        <mc:Choice Requires="a14">
           <p:sp>
             <p:nvSpPr>
               <p:cNvPr id="5" name="文本框 4"/>
@@ -8836,6 +9494,7 @@
               </a:bodyPr>
               <a:lstStyle/>
               <a:p>
+                <a:pPr/>
                 <a14:m>
                   <m:oMathPara xmlns:m="http://schemas.openxmlformats.org/officeDocument/2006/math">
                     <m:oMathParaPr>
@@ -8886,7 +9545,7 @@
             </p:txBody>
           </p:sp>
         </mc:Choice>
-        <mc:Fallback>
+        <mc:Fallback xmlns="">
           <p:sp>
             <p:nvSpPr>
               <p:cNvPr id="5" name="文本框 4"/>
@@ -8930,8 +9589,8 @@
           </p:sp>
         </mc:Fallback>
       </mc:AlternateContent>
-      <mc:AlternateContent xmlns:mc="http://schemas.openxmlformats.org/markup-compatibility/2006">
-        <mc:Choice xmlns:a14="http://schemas.microsoft.com/office/drawing/2010/main" Requires="a14">
+      <mc:AlternateContent xmlns:mc="http://schemas.openxmlformats.org/markup-compatibility/2006" xmlns:a14="http://schemas.microsoft.com/office/drawing/2010/main">
+        <mc:Choice Requires="a14">
           <p:sp>
             <p:nvSpPr>
               <p:cNvPr id="6" name="文本框 5"/>
@@ -8959,6 +9618,7 @@
               </a:bodyPr>
               <a:lstStyle/>
               <a:p>
+                <a:pPr/>
                 <a14:m>
                   <m:oMathPara xmlns:m="http://schemas.openxmlformats.org/officeDocument/2006/math">
                     <m:oMathParaPr>
@@ -8992,13 +9652,7 @@
                         <a:rPr lang="en-US" altLang="zh-CN" b="0" i="1" smtClean="0">
                           <a:latin typeface="Cambria Math" panose="02040503050406030204" pitchFamily="18" charset="0"/>
                         </a:rPr>
-                        <m:t>= </m:t>
-                      </m:r>
-                      <m:r>
-                        <a:rPr lang="en-US" altLang="zh-CN" b="0" i="1" smtClean="0">
-                          <a:latin typeface="Cambria Math" panose="02040503050406030204" pitchFamily="18" charset="0"/>
-                        </a:rPr>
-                        <m:t>&lt;</m:t>
+                        <m:t>= &lt;</m:t>
                       </m:r>
                       <m:r>
                         <a:rPr lang="en-US" altLang="zh-CN" b="0" i="1" smtClean="0">
@@ -9030,6 +9684,7 @@
                 <a:endParaRPr lang="en-US" altLang="zh-CN" dirty="0" smtClean="0"/>
               </a:p>
               <a:p>
+                <a:pPr/>
                 <a14:m>
                   <m:oMathPara xmlns:m="http://schemas.openxmlformats.org/officeDocument/2006/math">
                     <m:oMathParaPr>
@@ -9063,13 +9718,7 @@
                         <a:rPr lang="en-US" altLang="zh-CN" b="0" i="1" smtClean="0">
                           <a:latin typeface="Cambria Math" panose="02040503050406030204" pitchFamily="18" charset="0"/>
                         </a:rPr>
-                        <m:t>= </m:t>
-                      </m:r>
-                      <m:r>
-                        <a:rPr lang="en-US" altLang="zh-CN" b="0" i="1" smtClean="0">
-                          <a:latin typeface="Cambria Math" panose="02040503050406030204" pitchFamily="18" charset="0"/>
-                        </a:rPr>
-                        <m:t>&lt;</m:t>
+                        <m:t>= &lt;</m:t>
                       </m:r>
                       <m:r>
                         <a:rPr lang="en-US" altLang="zh-CN" b="0" i="1" smtClean="0">
@@ -9124,7 +9773,7 @@
             </p:txBody>
           </p:sp>
         </mc:Choice>
-        <mc:Fallback>
+        <mc:Fallback xmlns="">
           <p:sp>
             <p:nvSpPr>
               <p:cNvPr id="6" name="文本框 5"/>
@@ -9243,6 +9892,52 @@
             </a:r>
             <a:r>
               <a:rPr lang="en-US" altLang="zh-CN" baseline="-25000" dirty="0"/>
+              <a:t>1</a:t>
+            </a:r>
+            <a:r>
+              <a:rPr lang="en-US" altLang="zh-CN" dirty="0" smtClean="0"/>
+              <a:t>, e</a:t>
+            </a:r>
+            <a:r>
+              <a:rPr lang="en-US" altLang="zh-CN" baseline="-25000" dirty="0"/>
+              <a:t>2</a:t>
+            </a:r>
+            <a:r>
+              <a:rPr lang="en-US" altLang="zh-CN" dirty="0" smtClean="0"/>
+              <a:t>, e</a:t>
+            </a:r>
+            <a:r>
+              <a:rPr lang="en-US" altLang="zh-CN" baseline="-25000" dirty="0"/>
+              <a:t>0</a:t>
+            </a:r>
+            <a:r>
+              <a:rPr lang="en-US" altLang="zh-CN" dirty="0" smtClean="0"/>
+              <a:t>]</a:t>
+            </a:r>
+          </a:p>
+          <a:p>
+            <a:r>
+              <a:rPr lang="en-US" altLang="zh-CN" dirty="0" smtClean="0"/>
+              <a:t>t</a:t>
+            </a:r>
+            <a:r>
+              <a:rPr lang="en-US" altLang="zh-CN" baseline="-25000" dirty="0"/>
+              <a:t>2</a:t>
+            </a:r>
+            <a:r>
+              <a:rPr lang="en-US" altLang="zh-CN" dirty="0" smtClean="0"/>
+              <a:t> = [e</a:t>
+            </a:r>
+            <a:r>
+              <a:rPr lang="en-US" altLang="zh-CN" baseline="-25000" dirty="0"/>
+              <a:t>2</a:t>
+            </a:r>
+            <a:r>
+              <a:rPr lang="en-US" altLang="zh-CN" dirty="0" smtClean="0"/>
+              <a:t>, e</a:t>
+            </a:r>
+            <a:r>
+              <a:rPr lang="en-US" altLang="zh-CN" baseline="-25000" dirty="0" smtClean="0"/>
               <a:t>0</a:t>
             </a:r>
             <a:r>
@@ -9252,53 +9947,6 @@
             <a:r>
               <a:rPr lang="en-US" altLang="zh-CN" baseline="-25000" dirty="0"/>
               <a:t>1</a:t>
-            </a:r>
-            <a:r>
-              <a:rPr lang="en-US" altLang="zh-CN" dirty="0" smtClean="0"/>
-              <a:t>, e</a:t>
-            </a:r>
-            <a:r>
-              <a:rPr lang="en-US" altLang="zh-CN" baseline="-25000" dirty="0"/>
-              <a:t>2</a:t>
-            </a:r>
-            <a:r>
-              <a:rPr lang="en-US" altLang="zh-CN" dirty="0" smtClean="0"/>
-              <a:t>]</a:t>
-            </a:r>
-            <a:endParaRPr lang="en-US" altLang="zh-CN" dirty="0" smtClean="0"/>
-          </a:p>
-          <a:p>
-            <a:r>
-              <a:rPr lang="en-US" altLang="zh-CN" dirty="0" smtClean="0"/>
-              <a:t>t</a:t>
-            </a:r>
-            <a:r>
-              <a:rPr lang="en-US" altLang="zh-CN" baseline="-25000" dirty="0"/>
-              <a:t>2</a:t>
-            </a:r>
-            <a:r>
-              <a:rPr lang="en-US" altLang="zh-CN" dirty="0" smtClean="0"/>
-              <a:t> = [e</a:t>
-            </a:r>
-            <a:r>
-              <a:rPr lang="en-US" altLang="zh-CN" baseline="-25000" dirty="0"/>
-              <a:t>0</a:t>
-            </a:r>
-            <a:r>
-              <a:rPr lang="en-US" altLang="zh-CN" dirty="0" smtClean="0"/>
-              <a:t>, e</a:t>
-            </a:r>
-            <a:r>
-              <a:rPr lang="en-US" altLang="zh-CN" baseline="-25000" dirty="0"/>
-              <a:t>1</a:t>
-            </a:r>
-            <a:r>
-              <a:rPr lang="en-US" altLang="zh-CN" dirty="0" smtClean="0"/>
-              <a:t>, e</a:t>
-            </a:r>
-            <a:r>
-              <a:rPr lang="en-US" altLang="zh-CN" baseline="-25000" dirty="0"/>
-              <a:t>2</a:t>
             </a:r>
             <a:r>
               <a:rPr lang="en-US" altLang="zh-CN" dirty="0" smtClean="0"/>
@@ -9327,7 +9975,7 @@
 </p:sld>
 </file>
 
-<file path=ppt/slides/slide26.xml><?xml version="1.0" encoding="utf-8"?>
+<file path=ppt/slides/slide25.xml><?xml version="1.0" encoding="utf-8"?>
 <p:sld xmlns:a="http://schemas.openxmlformats.org/drawingml/2006/main" xmlns:r="http://schemas.openxmlformats.org/officeDocument/2006/relationships" xmlns:p="http://schemas.openxmlformats.org/presentationml/2006/main">
   <p:cSld>
     <p:spTree>
@@ -9361,7 +10009,11 @@
           <a:p>
             <a:r>
               <a:rPr lang="en-US" altLang="zh-CN" dirty="0"/>
-              <a:t>Formal specifications</a:t>
+              <a:t>Formal </a:t>
+            </a:r>
+            <a:r>
+              <a:rPr lang="en-US" altLang="zh-CN" dirty="0"/>
+              <a:t>specifications — Axiomatic</a:t>
             </a:r>
             <a:endParaRPr lang="zh-CN" altLang="en-US" dirty="0"/>
           </a:p>
@@ -9421,8 +10073,13 @@
             </a:pPr>
             <a:r>
               <a:rPr lang="en-US" altLang="zh-CN" dirty="0" smtClean="0"/>
-              <a:t>Sequential Crash-Consistency(SCC): permit no re-ordering of events.</a:t>
-            </a:r>
+              <a:t>Sequential Crash-Consistency(SCC</a:t>
+            </a:r>
+            <a:r>
+              <a:rPr lang="en-US" altLang="zh-CN" dirty="0" smtClean="0"/>
+              <a:t>)</a:t>
+            </a:r>
+            <a:endParaRPr lang="en-US" altLang="zh-CN" dirty="0" smtClean="0"/>
           </a:p>
           <a:p>
             <a:pPr>
@@ -9432,11 +10089,7 @@
             </a:pPr>
             <a:r>
               <a:rPr lang="en-US" altLang="zh-CN" dirty="0" smtClean="0"/>
-              <a:t>SCC permits only </a:t>
-            </a:r>
-            <a:r>
-              <a:rPr lang="en-US" altLang="zh-CN" dirty="0" smtClean="0"/>
-              <a:t>τ = [e</a:t>
+              <a:t>SCC permits only τ = [e</a:t>
             </a:r>
             <a:r>
               <a:rPr lang="en-US" altLang="zh-CN" baseline="-25000" dirty="0" smtClean="0"/>
@@ -9540,7 +10193,7 @@
 </p:sld>
 </file>
 
-<file path=ppt/slides/slide27.xml><?xml version="1.0" encoding="utf-8"?>
+<file path=ppt/slides/slide26.xml><?xml version="1.0" encoding="utf-8"?>
 <p:sld xmlns:a="http://schemas.openxmlformats.org/drawingml/2006/main" xmlns:r="http://schemas.openxmlformats.org/officeDocument/2006/relationships" xmlns:p="http://schemas.openxmlformats.org/presentationml/2006/main">
   <p:cSld>
     <p:spTree>
@@ -9890,6 +10543,148 @@
 </p:sld>
 </file>
 
+<file path=ppt/slides/slide27.xml><?xml version="1.0" encoding="utf-8"?>
+<p:sld xmlns:a="http://schemas.openxmlformats.org/drawingml/2006/main" xmlns:r="http://schemas.openxmlformats.org/officeDocument/2006/relationships" xmlns:p="http://schemas.openxmlformats.org/presentationml/2006/main">
+  <p:cSld>
+    <p:spTree>
+      <p:nvGrpSpPr>
+        <p:cNvPr id="1" name=""/>
+        <p:cNvGrpSpPr/>
+        <p:nvPr/>
+      </p:nvGrpSpPr>
+      <p:grpSpPr>
+        <a:xfrm>
+          <a:off x="0" y="0"/>
+          <a:ext cx="0" cy="0"/>
+          <a:chOff x="0" y="0"/>
+          <a:chExt cx="0" cy="0"/>
+        </a:xfrm>
+      </p:grpSpPr>
+      <p:sp>
+        <p:nvSpPr>
+          <p:cNvPr id="2" name="标题 1"/>
+          <p:cNvSpPr>
+            <a:spLocks noGrp="1"/>
+          </p:cNvSpPr>
+          <p:nvPr>
+            <p:ph type="title"/>
+          </p:nvPr>
+        </p:nvSpPr>
+        <p:spPr/>
+        <p:txBody>
+          <a:bodyPr/>
+          <a:lstStyle/>
+          <a:p>
+            <a:r>
+              <a:rPr lang="en-US" altLang="zh-CN" dirty="0" smtClean="0"/>
+              <a:t>Making specification executable </a:t>
+            </a:r>
+            <a:endParaRPr lang="zh-CN" altLang="en-US" dirty="0"/>
+          </a:p>
+        </p:txBody>
+      </p:sp>
+      <p:sp>
+        <p:nvSpPr>
+          <p:cNvPr id="3" name="内容占位符 2"/>
+          <p:cNvSpPr>
+            <a:spLocks noGrp="1"/>
+          </p:cNvSpPr>
+          <p:nvPr>
+            <p:ph idx="1"/>
+          </p:nvPr>
+        </p:nvSpPr>
+        <p:spPr>
+          <a:xfrm>
+            <a:off x="647115" y="1825625"/>
+            <a:ext cx="10706686" cy="4351338"/>
+          </a:xfrm>
+        </p:spPr>
+        <p:txBody>
+          <a:bodyPr/>
+          <a:lstStyle/>
+          <a:p>
+            <a:r>
+              <a:rPr lang="en-US" altLang="zh-CN" b="1" dirty="0" smtClean="0"/>
+              <a:t>FERRITE</a:t>
+            </a:r>
+            <a:r>
+              <a:rPr lang="en-US" altLang="zh-CN" dirty="0" smtClean="0"/>
+              <a:t> consists of two tools:</a:t>
+            </a:r>
+          </a:p>
+          <a:p>
+            <a:r>
+              <a:rPr lang="en-US" altLang="zh-CN" dirty="0" smtClean="0"/>
+              <a:t>enumerator</a:t>
+            </a:r>
+          </a:p>
+          <a:p>
+            <a:pPr lvl="1"/>
+            <a:r>
+              <a:rPr lang="en-US" altLang="zh-CN" dirty="0" smtClean="0"/>
+              <a:t>execute litmus tests to determine the set of all possible crash behaviors.</a:t>
+            </a:r>
+          </a:p>
+          <a:p>
+            <a:pPr lvl="1"/>
+            <a:r>
+              <a:rPr lang="en-US" altLang="zh-CN" dirty="0" smtClean="0"/>
+              <a:t>ensure that the litmus tests are indeed representative of the </a:t>
+            </a:r>
+            <a:r>
+              <a:rPr lang="en-US" altLang="zh-CN" dirty="0" smtClean="0"/>
+              <a:t>behavior of fs.</a:t>
+            </a:r>
+            <a:endParaRPr lang="en-US" altLang="zh-CN" dirty="0" smtClean="0"/>
+          </a:p>
+          <a:p>
+            <a:r>
+              <a:rPr lang="en-US" altLang="zh-CN" dirty="0" smtClean="0"/>
+              <a:t>model checker</a:t>
+            </a:r>
+          </a:p>
+          <a:p>
+            <a:pPr lvl="1"/>
+            <a:r>
+              <a:rPr lang="en-US" altLang="zh-CN" dirty="0" smtClean="0"/>
+              <a:t>execute litmus tests against axiomatic specification.</a:t>
+            </a:r>
+          </a:p>
+          <a:p>
+            <a:pPr lvl="1"/>
+            <a:r>
+              <a:rPr lang="en-US" altLang="zh-CN" dirty="0" smtClean="0"/>
+              <a:t>ensure that the formalization allow representative behaviors encoded in litmus tests</a:t>
+            </a:r>
+          </a:p>
+          <a:p>
+            <a:endParaRPr lang="en-US" altLang="zh-CN" dirty="0" smtClean="0"/>
+          </a:p>
+          <a:p>
+            <a:endParaRPr lang="zh-CN" altLang="en-US" dirty="0"/>
+          </a:p>
+        </p:txBody>
+      </p:sp>
+    </p:spTree>
+    <p:extLst>
+      <p:ext uri="{BB962C8B-B14F-4D97-AF65-F5344CB8AC3E}">
+        <p14:creationId xmlns:p14="http://schemas.microsoft.com/office/powerpoint/2010/main" val="515966400"/>
+      </p:ext>
+    </p:extLst>
+  </p:cSld>
+  <p:clrMapOvr>
+    <a:masterClrMapping/>
+  </p:clrMapOvr>
+  <p:timing>
+    <p:tnLst>
+      <p:par>
+        <p:cTn id="1" dur="indefinite" restart="never" nodeType="tmRoot"/>
+      </p:par>
+    </p:tnLst>
+  </p:timing>
+</p:sld>
+</file>
+
 <file path=ppt/slides/slide28.xml><?xml version="1.0" encoding="utf-8"?>
 <p:sld xmlns:a="http://schemas.openxmlformats.org/drawingml/2006/main" xmlns:r="http://schemas.openxmlformats.org/officeDocument/2006/relationships" xmlns:p="http://schemas.openxmlformats.org/presentationml/2006/main">
   <p:cSld>
@@ -9951,55 +10746,52 @@
           <a:lstStyle/>
           <a:p>
             <a:r>
-              <a:rPr lang="en-US" altLang="zh-CN" dirty="0" smtClean="0"/>
-              <a:t>FERRITE consists of two tools:</a:t>
-            </a:r>
-          </a:p>
-          <a:p>
-            <a:r>
-              <a:rPr lang="en-US" altLang="zh-CN" dirty="0" smtClean="0"/>
-              <a:t>enumerator</a:t>
+              <a:rPr lang="en-US" altLang="zh-CN" b="1" dirty="0" smtClean="0"/>
+              <a:t>against file system implementations</a:t>
             </a:r>
           </a:p>
           <a:p>
             <a:pPr lvl="1"/>
             <a:r>
               <a:rPr lang="en-US" altLang="zh-CN" dirty="0" smtClean="0"/>
-              <a:t>execute litmus tests to determine the set of all possible crash behaviors.</a:t>
-            </a:r>
+              <a:t>produce all possible re-orderings of the trace, as well as all possible prefixes.</a:t>
+            </a:r>
+            <a:endParaRPr lang="en-US" altLang="zh-CN" dirty="0"/>
           </a:p>
           <a:p>
             <a:pPr lvl="1"/>
             <a:r>
               <a:rPr lang="en-US" altLang="zh-CN" dirty="0" smtClean="0"/>
-              <a:t>ensure that the litmus tests are indeed representative of the behavior.</a:t>
-            </a:r>
-          </a:p>
-          <a:p>
-            <a:r>
-              <a:rPr lang="en-US" altLang="zh-CN" dirty="0" smtClean="0"/>
-              <a:t>model checker</a:t>
+              <a:t>produce a disk image and verify the predicates.</a:t>
+            </a:r>
+          </a:p>
+          <a:p>
+            <a:r>
+              <a:rPr lang="en-US" altLang="zh-CN" b="1" dirty="0" smtClean="0"/>
+              <a:t>against specification</a:t>
             </a:r>
           </a:p>
           <a:p>
             <a:pPr lvl="1"/>
             <a:r>
               <a:rPr lang="en-US" altLang="zh-CN" dirty="0" smtClean="0"/>
-              <a:t>execute litmus tests against axiomatic specification.</a:t>
+              <a:t>check whether the predicates specified in the </a:t>
+            </a:r>
+            <a:r>
+              <a:rPr lang="en-US" altLang="zh-CN" i="1" dirty="0" smtClean="0"/>
+              <a:t>exists? </a:t>
+            </a:r>
+            <a:r>
+              <a:rPr lang="en-US" altLang="zh-CN" dirty="0" smtClean="0"/>
+              <a:t>are satisfied.</a:t>
             </a:r>
           </a:p>
           <a:p>
             <a:pPr lvl="1"/>
             <a:r>
               <a:rPr lang="en-US" altLang="zh-CN" dirty="0" smtClean="0"/>
-              <a:t>ensure that the formalization allow representative behaviors encoded in litmus tests</a:t>
-            </a:r>
-            <a:endParaRPr lang="en-US" altLang="zh-CN" dirty="0" smtClean="0"/>
-          </a:p>
-          <a:p>
-            <a:endParaRPr lang="en-US" altLang="zh-CN" dirty="0" smtClean="0"/>
-          </a:p>
-          <a:p>
+              <a:t>if so, the model will give you some surprise.</a:t>
+            </a:r>
             <a:endParaRPr lang="zh-CN" altLang="en-US" dirty="0"/>
           </a:p>
         </p:txBody>
@@ -10007,7 +10799,7 @@
     </p:spTree>
     <p:extLst>
       <p:ext uri="{BB962C8B-B14F-4D97-AF65-F5344CB8AC3E}">
-        <p14:creationId xmlns:p14="http://schemas.microsoft.com/office/powerpoint/2010/main" val="515966400"/>
+        <p14:creationId xmlns:p14="http://schemas.microsoft.com/office/powerpoint/2010/main" val="1844942665"/>
       </p:ext>
     </p:extLst>
   </p:cSld>
@@ -10058,7 +10850,7 @@
           <a:p>
             <a:r>
               <a:rPr lang="en-US" altLang="zh-CN" dirty="0" smtClean="0"/>
-              <a:t>Making specification executable </a:t>
+              <a:t>Experience with specification</a:t>
             </a:r>
             <a:endParaRPr lang="zh-CN" altLang="en-US" dirty="0"/>
           </a:p>
@@ -10084,57 +10876,126 @@
           <a:bodyPr/>
           <a:lstStyle/>
           <a:p>
+            <a:pPr>
+              <a:lnSpc>
+                <a:spcPct val="100000"/>
+              </a:lnSpc>
+            </a:pPr>
+            <a:r>
+              <a:rPr lang="en-US" altLang="zh-CN" dirty="0" smtClean="0"/>
+              <a:t>The synthesizer transforms a </a:t>
+            </a:r>
+            <a:r>
+              <a:rPr lang="en-US" altLang="zh-CN" dirty="0" smtClean="0"/>
+              <a:t>program </a:t>
+            </a:r>
+            <a:r>
+              <a:rPr lang="en-US" altLang="zh-CN" dirty="0" smtClean="0"/>
+              <a:t>by </a:t>
+            </a:r>
             <a:r>
               <a:rPr lang="en-US" altLang="zh-CN" b="1" dirty="0" smtClean="0"/>
-              <a:t>against file system implementations</a:t>
-            </a:r>
-          </a:p>
-          <a:p>
-            <a:r>
-              <a:rPr lang="en-US" altLang="zh-CN" dirty="0" smtClean="0"/>
-              <a:t>produce all possible re-orderings of the trace, as well as all possible prefixes.</a:t>
-            </a:r>
-            <a:endParaRPr lang="en-US" altLang="zh-CN" dirty="0"/>
-          </a:p>
-          <a:p>
-            <a:r>
-              <a:rPr lang="en-US" altLang="zh-CN" dirty="0" smtClean="0"/>
-              <a:t>produce a disk image and verify the predicates.</a:t>
-            </a:r>
-          </a:p>
-          <a:p>
+              <a:t>inserting </a:t>
+            </a:r>
+            <a:r>
+              <a:rPr lang="en-US" altLang="zh-CN" b="1" dirty="0" err="1" smtClean="0"/>
+              <a:t>fsync</a:t>
+            </a:r>
+            <a:r>
+              <a:rPr lang="en-US" altLang="zh-CN" b="1" dirty="0"/>
+              <a:t> </a:t>
+            </a:r>
+            <a:r>
+              <a:rPr lang="en-US" altLang="zh-CN" dirty="0" smtClean="0"/>
+              <a:t>and </a:t>
+            </a:r>
             <a:r>
               <a:rPr lang="en-US" altLang="zh-CN" b="1" dirty="0" smtClean="0"/>
-              <a:t>against specification</a:t>
-            </a:r>
-          </a:p>
-          <a:p>
-            <a:r>
-              <a:rPr lang="en-US" altLang="zh-CN" dirty="0" smtClean="0"/>
-              <a:t>check whether the predicates specified in the </a:t>
-            </a:r>
-            <a:r>
-              <a:rPr lang="en-US" altLang="zh-CN" i="1" dirty="0" smtClean="0"/>
-              <a:t>exists? </a:t>
-            </a:r>
-            <a:r>
-              <a:rPr lang="en-US" altLang="zh-CN" dirty="0" smtClean="0"/>
-              <a:t>are satisfied.</a:t>
-            </a:r>
-          </a:p>
-          <a:p>
-            <a:r>
-              <a:rPr lang="en-US" altLang="zh-CN" dirty="0" smtClean="0"/>
-              <a:t>if so, the model will give you some surprise.</a:t>
-            </a:r>
-            <a:endParaRPr lang="zh-CN" altLang="en-US" dirty="0"/>
-          </a:p>
-        </p:txBody>
-      </p:sp>
+              <a:t>optimizing the insertion </a:t>
+            </a:r>
+            <a:r>
+              <a:rPr lang="en-US" altLang="zh-CN" dirty="0" smtClean="0"/>
+              <a:t>to guarantee the desired safety properties.</a:t>
+            </a:r>
+          </a:p>
+          <a:p>
+            <a:pPr>
+              <a:lnSpc>
+                <a:spcPct val="100000"/>
+              </a:lnSpc>
+            </a:pPr>
+            <a:r>
+              <a:rPr lang="en-US" altLang="zh-CN" dirty="0" smtClean="0"/>
+              <a:t>Develop a verification framework in </a:t>
+            </a:r>
+            <a:r>
+              <a:rPr lang="en-US" altLang="zh-CN" b="1" dirty="0" err="1" smtClean="0"/>
+              <a:t>Dafny</a:t>
+            </a:r>
+            <a:r>
+              <a:rPr lang="en-US" altLang="zh-CN" b="1" dirty="0" smtClean="0"/>
+              <a:t> </a:t>
+            </a:r>
+            <a:r>
+              <a:rPr lang="en-US" altLang="zh-CN" dirty="0" smtClean="0"/>
+              <a:t>to prove crash safety, which made proof </a:t>
+            </a:r>
+            <a:r>
+              <a:rPr lang="en-US" altLang="zh-CN" dirty="0" smtClean="0"/>
+              <a:t>automation </a:t>
+            </a:r>
+            <a:r>
+              <a:rPr lang="en-US" altLang="zh-CN" dirty="0" smtClean="0"/>
+              <a:t>highly effective.</a:t>
+            </a:r>
+          </a:p>
+        </p:txBody>
+      </p:sp>
+      <p:pic>
+        <p:nvPicPr>
+          <p:cNvPr id="1026" name="Picture 2" descr="https://pic2.zhimg.com/50/v2-849633b14399d5e17ff441b255c41043_qhd.jpg"/>
+          <p:cNvPicPr>
+            <a:picLocks noChangeAspect="1" noChangeArrowheads="1"/>
+          </p:cNvPicPr>
+          <p:nvPr/>
+        </p:nvPicPr>
+        <p:blipFill>
+          <a:blip r:embed="rId3">
+            <a:extLst>
+              <a:ext uri="{28A0092B-C50C-407E-A947-70E740481C1C}">
+                <a14:useLocalDpi xmlns:a14="http://schemas.microsoft.com/office/drawing/2010/main" val="0"/>
+              </a:ext>
+            </a:extLst>
+          </a:blip>
+          <a:srcRect/>
+          <a:stretch>
+            <a:fillRect/>
+          </a:stretch>
+        </p:blipFill>
+        <p:spPr bwMode="auto">
+          <a:xfrm>
+            <a:off x="10243955" y="4533718"/>
+            <a:ext cx="1643245" cy="1643245"/>
+          </a:xfrm>
+          <a:prstGeom prst="rect">
+            <a:avLst/>
+          </a:prstGeom>
+          <a:noFill/>
+          <a:extLst>
+            <a:ext uri="{909E8E84-426E-40DD-AFC4-6F175D3DCCD1}">
+              <a14:hiddenFill xmlns:a14="http://schemas.microsoft.com/office/drawing/2010/main">
+                <a:solidFill>
+                  <a:srgbClr val="FFFFFF"/>
+                </a:solidFill>
+              </a14:hiddenFill>
+            </a:ext>
+          </a:extLst>
+        </p:spPr>
+      </p:pic>
     </p:spTree>
     <p:extLst>
       <p:ext uri="{BB962C8B-B14F-4D97-AF65-F5344CB8AC3E}">
-        <p14:creationId xmlns:p14="http://schemas.microsoft.com/office/powerpoint/2010/main" val="1844942665"/>
+        <p14:creationId xmlns:p14="http://schemas.microsoft.com/office/powerpoint/2010/main" val="2519435583"/>
       </p:ext>
     </p:extLst>
   </p:cSld>
@@ -10314,165 +11175,6 @@
           <a:p>
             <a:r>
               <a:rPr lang="en-US" altLang="zh-CN" dirty="0" smtClean="0"/>
-              <a:t>Experience with specification</a:t>
-            </a:r>
-            <a:endParaRPr lang="zh-CN" altLang="en-US" dirty="0"/>
-          </a:p>
-        </p:txBody>
-      </p:sp>
-      <p:sp>
-        <p:nvSpPr>
-          <p:cNvPr id="3" name="内容占位符 2"/>
-          <p:cNvSpPr>
-            <a:spLocks noGrp="1"/>
-          </p:cNvSpPr>
-          <p:nvPr>
-            <p:ph idx="1"/>
-          </p:nvPr>
-        </p:nvSpPr>
-        <p:spPr>
-          <a:xfrm>
-            <a:off x="647115" y="1825625"/>
-            <a:ext cx="10706686" cy="4351338"/>
-          </a:xfrm>
-        </p:spPr>
-        <p:txBody>
-          <a:bodyPr/>
-          <a:lstStyle/>
-          <a:p>
-            <a:pPr>
-              <a:lnSpc>
-                <a:spcPct val="100000"/>
-              </a:lnSpc>
-            </a:pPr>
-            <a:r>
-              <a:rPr lang="en-US" altLang="zh-CN" dirty="0" smtClean="0"/>
-              <a:t>The synthesizer transforms a SCC program by </a:t>
-            </a:r>
-            <a:r>
-              <a:rPr lang="en-US" altLang="zh-CN" b="1" dirty="0" smtClean="0"/>
-              <a:t>inserting </a:t>
-            </a:r>
-            <a:r>
-              <a:rPr lang="en-US" altLang="zh-CN" b="1" dirty="0" err="1" smtClean="0"/>
-              <a:t>fsync</a:t>
-            </a:r>
-            <a:r>
-              <a:rPr lang="en-US" altLang="zh-CN" b="1" dirty="0"/>
-              <a:t> </a:t>
-            </a:r>
-            <a:r>
-              <a:rPr lang="en-US" altLang="zh-CN" dirty="0" smtClean="0"/>
-              <a:t>and </a:t>
-            </a:r>
-            <a:r>
-              <a:rPr lang="en-US" altLang="zh-CN" b="1" dirty="0" smtClean="0"/>
-              <a:t>optimizing the insertion </a:t>
-            </a:r>
-            <a:r>
-              <a:rPr lang="en-US" altLang="zh-CN" dirty="0" smtClean="0"/>
-              <a:t>to guarantee the desired safety properties.</a:t>
-            </a:r>
-          </a:p>
-          <a:p>
-            <a:pPr>
-              <a:lnSpc>
-                <a:spcPct val="100000"/>
-              </a:lnSpc>
-            </a:pPr>
-            <a:r>
-              <a:rPr lang="en-US" altLang="zh-CN" dirty="0" smtClean="0"/>
-              <a:t>Develop a verification framework in </a:t>
-            </a:r>
-            <a:r>
-              <a:rPr lang="en-US" altLang="zh-CN" b="1" dirty="0" err="1" smtClean="0"/>
-              <a:t>Dafny</a:t>
-            </a:r>
-            <a:r>
-              <a:rPr lang="en-US" altLang="zh-CN" b="1" dirty="0" smtClean="0"/>
-              <a:t> </a:t>
-            </a:r>
-            <a:r>
-              <a:rPr lang="en-US" altLang="zh-CN" dirty="0" smtClean="0"/>
-              <a:t>to prove crash safety, which made proof </a:t>
-            </a:r>
-            <a:r>
-              <a:rPr lang="en-US" altLang="zh-CN" dirty="0" err="1" smtClean="0"/>
-              <a:t>automatin</a:t>
-            </a:r>
-            <a:r>
-              <a:rPr lang="en-US" altLang="zh-CN" dirty="0" smtClean="0"/>
-              <a:t> highly effective.</a:t>
-            </a:r>
-          </a:p>
-          <a:p>
-            <a:pPr>
-              <a:lnSpc>
-                <a:spcPct val="100000"/>
-              </a:lnSpc>
-            </a:pPr>
-            <a:r>
-              <a:rPr lang="zh-CN" altLang="en-US" b="1" dirty="0" smtClean="0"/>
-              <a:t> </a:t>
-            </a:r>
-            <a:endParaRPr lang="en-US" altLang="zh-CN" dirty="0" smtClean="0"/>
-          </a:p>
-        </p:txBody>
-      </p:sp>
-    </p:spTree>
-    <p:extLst>
-      <p:ext uri="{BB962C8B-B14F-4D97-AF65-F5344CB8AC3E}">
-        <p14:creationId xmlns:p14="http://schemas.microsoft.com/office/powerpoint/2010/main" val="2519435583"/>
-      </p:ext>
-    </p:extLst>
-  </p:cSld>
-  <p:clrMapOvr>
-    <a:masterClrMapping/>
-  </p:clrMapOvr>
-  <p:timing>
-    <p:tnLst>
-      <p:par>
-        <p:cTn id="1" dur="indefinite" restart="never" nodeType="tmRoot"/>
-      </p:par>
-    </p:tnLst>
-  </p:timing>
-</p:sld>
-</file>
-
-<file path=ppt/slides/slide31.xml><?xml version="1.0" encoding="utf-8"?>
-<p:sld xmlns:a="http://schemas.openxmlformats.org/drawingml/2006/main" xmlns:r="http://schemas.openxmlformats.org/officeDocument/2006/relationships" xmlns:p="http://schemas.openxmlformats.org/presentationml/2006/main">
-  <p:cSld>
-    <p:spTree>
-      <p:nvGrpSpPr>
-        <p:cNvPr id="1" name=""/>
-        <p:cNvGrpSpPr/>
-        <p:nvPr/>
-      </p:nvGrpSpPr>
-      <p:grpSpPr>
-        <a:xfrm>
-          <a:off x="0" y="0"/>
-          <a:ext cx="0" cy="0"/>
-          <a:chOff x="0" y="0"/>
-          <a:chExt cx="0" cy="0"/>
-        </a:xfrm>
-      </p:grpSpPr>
-      <p:sp>
-        <p:nvSpPr>
-          <p:cNvPr id="2" name="标题 1"/>
-          <p:cNvSpPr>
-            <a:spLocks noGrp="1"/>
-          </p:cNvSpPr>
-          <p:nvPr>
-            <p:ph type="title"/>
-          </p:nvPr>
-        </p:nvSpPr>
-        <p:spPr/>
-        <p:txBody>
-          <a:bodyPr/>
-          <a:lstStyle/>
-          <a:p>
-            <a:r>
-              <a:rPr lang="en-US" altLang="zh-CN" dirty="0" smtClean="0"/>
               <a:t>Conclusion </a:t>
             </a:r>
             <a:endParaRPr lang="zh-CN" altLang="en-US" dirty="0"/>
@@ -10733,7 +11435,15 @@
             </a:pPr>
             <a:r>
               <a:rPr lang="en-US" altLang="zh-CN" dirty="0" smtClean="0"/>
-              <a:t>The lifespan of faults in Linux2.6 is comparable to that in previous versions.</a:t>
+              <a:t>The lifespan of faults in </a:t>
+            </a:r>
+            <a:r>
+              <a:rPr lang="en-US" altLang="zh-CN" dirty="0" smtClean="0"/>
+              <a:t>Linux 2.6 </a:t>
+            </a:r>
+            <a:r>
+              <a:rPr lang="en-US" altLang="zh-CN" dirty="0" smtClean="0"/>
+              <a:t>is comparable to that in previous versions.</a:t>
             </a:r>
           </a:p>
           <a:p>
@@ -11050,7 +11760,7 @@
         </p:nvSpPr>
         <p:spPr>
           <a:xfrm>
-            <a:off x="0" y="3731567"/>
+            <a:off x="0" y="3548683"/>
             <a:ext cx="2929007" cy="461665"/>
           </a:xfrm>
           <a:prstGeom prst="rect">
@@ -11905,7 +12615,15 @@
             </a:pPr>
             <a:r>
               <a:rPr lang="en-US" altLang="zh-CN" dirty="0" smtClean="0"/>
-              <a:t>perform control-flow based pattern searches in C.</a:t>
+              <a:t>perform control-flow based</a:t>
+            </a:r>
+            <a:r>
+              <a:rPr lang="en-US" altLang="zh-CN" b="1" dirty="0" smtClean="0"/>
+              <a:t> pattern searches </a:t>
+            </a:r>
+            <a:r>
+              <a:rPr lang="en-US" altLang="zh-CN" dirty="0" smtClean="0"/>
+              <a:t>in C.</a:t>
             </a:r>
           </a:p>
           <a:p>
@@ -11916,7 +12634,15 @@
             </a:pPr>
             <a:r>
               <a:rPr lang="en-US" altLang="zh-CN" dirty="0" smtClean="0"/>
-              <a:t>Does not expand preprocessor directives, so our process is not limited by the architecture.</a:t>
+              <a:t>Does not expand preprocessor directives, so our process is not limited</a:t>
+            </a:r>
+            <a:r>
+              <a:rPr lang="en-US" altLang="zh-CN" b="1" dirty="0" smtClean="0"/>
+              <a:t> </a:t>
+            </a:r>
+            <a:r>
+              <a:rPr lang="en-US" altLang="zh-CN" dirty="0" smtClean="0"/>
+              <a:t>by the architecture.</a:t>
             </a:r>
             <a:endParaRPr lang="en-US" altLang="zh-CN" dirty="0"/>
           </a:p>
@@ -11951,7 +12677,15 @@
             </a:r>
             <a:r>
               <a:rPr lang="en-US" altLang="zh-CN" dirty="0" smtClean="0"/>
-              <a:t>to find the changes in different version.</a:t>
+              <a:t>to </a:t>
+            </a:r>
+            <a:r>
+              <a:rPr lang="en-US" altLang="zh-CN" b="1" dirty="0" smtClean="0"/>
+              <a:t>find the changes </a:t>
+            </a:r>
+            <a:r>
+              <a:rPr lang="en-US" altLang="zh-CN" dirty="0" smtClean="0"/>
+              <a:t>in different version.</a:t>
             </a:r>
           </a:p>
           <a:p>
@@ -11992,7 +12726,7 @@
         </p:blipFill>
         <p:spPr>
           <a:xfrm>
-            <a:off x="10318290" y="0"/>
+            <a:off x="9480090" y="100508"/>
             <a:ext cx="1873710" cy="2020094"/>
           </a:xfrm>
           <a:prstGeom prst="rect">
@@ -12267,8 +13001,8 @@
           </a:p>
         </p:txBody>
       </p:sp>
-      <mc:AlternateContent xmlns:mc="http://schemas.openxmlformats.org/markup-compatibility/2006">
-        <mc:Choice xmlns:a14="http://schemas.microsoft.com/office/drawing/2010/main" Requires="a14">
+      <mc:AlternateContent xmlns:mc="http://schemas.openxmlformats.org/markup-compatibility/2006" xmlns:a14="http://schemas.microsoft.com/office/drawing/2010/main">
+        <mc:Choice Requires="a14">
           <p:sp>
             <p:nvSpPr>
               <p:cNvPr id="3" name="内容占位符 2"/>
@@ -12458,7 +13192,7 @@
             </p:txBody>
           </p:sp>
         </mc:Choice>
-        <mc:Fallback>
+        <mc:Fallback xmlns="">
           <p:sp>
             <p:nvSpPr>
               <p:cNvPr id="3" name="内容占位符 2"/>
@@ -12475,7 +13209,7 @@
                 <a:ext cx="5937853" cy="4351338"/>
               </a:xfrm>
               <a:blipFill>
-                <a:blip r:embed="rId2"/>
+                <a:blip r:embed="rId3"/>
                 <a:stretch>
                   <a:fillRect l="-1848" t="-2521" r="-3388"/>
                 </a:stretch>
@@ -12505,7 +13239,7 @@
           <p:nvPr/>
         </p:nvPicPr>
         <p:blipFill>
-          <a:blip r:embed="rId3"/>
+          <a:blip r:embed="rId4"/>
           <a:stretch>
             <a:fillRect/>
           </a:stretch>
